--- a/논문/그림/프레젠테이션1.pptx
+++ b/논문/그림/프레젠테이션1.pptx
@@ -6,6 +6,7 @@
   </p:sldMasterIdLst>
   <p:sldIdLst>
     <p:sldId id="256" r:id="rId2"/>
+    <p:sldId id="257" r:id="rId3"/>
   </p:sldIdLst>
   <p:sldSz cx="12192000" cy="6858000"/>
   <p:notesSz cx="6858000" cy="9144000"/>
@@ -277,7 +278,7 @@
           <a:p>
             <a:fld id="{F39DBC25-C0E5-6D4A-A844-D84C0DBD87A4}" type="datetimeFigureOut">
               <a:rPr kumimoji="1" lang="ko-Kore-GB" altLang="en-US" smtClean="0"/>
-              <a:t>08/08/2023</a:t>
+              <a:t>10/08/2023</a:t>
             </a:fld>
             <a:endParaRPr kumimoji="1" lang="ko-Kore-GB" altLang="en-US"/>
           </a:p>
@@ -477,7 +478,7 @@
           <a:p>
             <a:fld id="{F39DBC25-C0E5-6D4A-A844-D84C0DBD87A4}" type="datetimeFigureOut">
               <a:rPr kumimoji="1" lang="ko-Kore-GB" altLang="en-US" smtClean="0"/>
-              <a:t>08/08/2023</a:t>
+              <a:t>10/08/2023</a:t>
             </a:fld>
             <a:endParaRPr kumimoji="1" lang="ko-Kore-GB" altLang="en-US"/>
           </a:p>
@@ -687,7 +688,7 @@
           <a:p>
             <a:fld id="{F39DBC25-C0E5-6D4A-A844-D84C0DBD87A4}" type="datetimeFigureOut">
               <a:rPr kumimoji="1" lang="ko-Kore-GB" altLang="en-US" smtClean="0"/>
-              <a:t>08/08/2023</a:t>
+              <a:t>10/08/2023</a:t>
             </a:fld>
             <a:endParaRPr kumimoji="1" lang="ko-Kore-GB" altLang="en-US"/>
           </a:p>
@@ -887,7 +888,7 @@
           <a:p>
             <a:fld id="{F39DBC25-C0E5-6D4A-A844-D84C0DBD87A4}" type="datetimeFigureOut">
               <a:rPr kumimoji="1" lang="ko-Kore-GB" altLang="en-US" smtClean="0"/>
-              <a:t>08/08/2023</a:t>
+              <a:t>10/08/2023</a:t>
             </a:fld>
             <a:endParaRPr kumimoji="1" lang="ko-Kore-GB" altLang="en-US"/>
           </a:p>
@@ -1163,7 +1164,7 @@
           <a:p>
             <a:fld id="{F39DBC25-C0E5-6D4A-A844-D84C0DBD87A4}" type="datetimeFigureOut">
               <a:rPr kumimoji="1" lang="ko-Kore-GB" altLang="en-US" smtClean="0"/>
-              <a:t>08/08/2023</a:t>
+              <a:t>10/08/2023</a:t>
             </a:fld>
             <a:endParaRPr kumimoji="1" lang="ko-Kore-GB" altLang="en-US"/>
           </a:p>
@@ -1431,7 +1432,7 @@
           <a:p>
             <a:fld id="{F39DBC25-C0E5-6D4A-A844-D84C0DBD87A4}" type="datetimeFigureOut">
               <a:rPr kumimoji="1" lang="ko-Kore-GB" altLang="en-US" smtClean="0"/>
-              <a:t>08/08/2023</a:t>
+              <a:t>10/08/2023</a:t>
             </a:fld>
             <a:endParaRPr kumimoji="1" lang="ko-Kore-GB" altLang="en-US"/>
           </a:p>
@@ -1846,7 +1847,7 @@
           <a:p>
             <a:fld id="{F39DBC25-C0E5-6D4A-A844-D84C0DBD87A4}" type="datetimeFigureOut">
               <a:rPr kumimoji="1" lang="ko-Kore-GB" altLang="en-US" smtClean="0"/>
-              <a:t>08/08/2023</a:t>
+              <a:t>10/08/2023</a:t>
             </a:fld>
             <a:endParaRPr kumimoji="1" lang="ko-Kore-GB" altLang="en-US"/>
           </a:p>
@@ -1988,7 +1989,7 @@
           <a:p>
             <a:fld id="{F39DBC25-C0E5-6D4A-A844-D84C0DBD87A4}" type="datetimeFigureOut">
               <a:rPr kumimoji="1" lang="ko-Kore-GB" altLang="en-US" smtClean="0"/>
-              <a:t>08/08/2023</a:t>
+              <a:t>10/08/2023</a:t>
             </a:fld>
             <a:endParaRPr kumimoji="1" lang="ko-Kore-GB" altLang="en-US"/>
           </a:p>
@@ -2101,7 +2102,7 @@
           <a:p>
             <a:fld id="{F39DBC25-C0E5-6D4A-A844-D84C0DBD87A4}" type="datetimeFigureOut">
               <a:rPr kumimoji="1" lang="ko-Kore-GB" altLang="en-US" smtClean="0"/>
-              <a:t>08/08/2023</a:t>
+              <a:t>10/08/2023</a:t>
             </a:fld>
             <a:endParaRPr kumimoji="1" lang="ko-Kore-GB" altLang="en-US"/>
           </a:p>
@@ -2414,7 +2415,7 @@
           <a:p>
             <a:fld id="{F39DBC25-C0E5-6D4A-A844-D84C0DBD87A4}" type="datetimeFigureOut">
               <a:rPr kumimoji="1" lang="ko-Kore-GB" altLang="en-US" smtClean="0"/>
-              <a:t>08/08/2023</a:t>
+              <a:t>10/08/2023</a:t>
             </a:fld>
             <a:endParaRPr kumimoji="1" lang="ko-Kore-GB" altLang="en-US"/>
           </a:p>
@@ -2703,7 +2704,7 @@
           <a:p>
             <a:fld id="{F39DBC25-C0E5-6D4A-A844-D84C0DBD87A4}" type="datetimeFigureOut">
               <a:rPr kumimoji="1" lang="ko-Kore-GB" altLang="en-US" smtClean="0"/>
-              <a:t>08/08/2023</a:t>
+              <a:t>10/08/2023</a:t>
             </a:fld>
             <a:endParaRPr kumimoji="1" lang="ko-Kore-GB" altLang="en-US"/>
           </a:p>
@@ -2946,7 +2947,7 @@
           <a:p>
             <a:fld id="{F39DBC25-C0E5-6D4A-A844-D84C0DBD87A4}" type="datetimeFigureOut">
               <a:rPr kumimoji="1" lang="ko-Kore-GB" altLang="en-US" smtClean="0"/>
-              <a:t>08/08/2023</a:t>
+              <a:t>10/08/2023</a:t>
             </a:fld>
             <a:endParaRPr kumimoji="1" lang="ko-Kore-GB" altLang="en-US"/>
           </a:p>
@@ -4031,7 +4032,7 @@
         <p:spPr>
           <a:xfrm>
             <a:off x="2222692" y="1096072"/>
-            <a:ext cx="780983" cy="246221"/>
+            <a:ext cx="835485" cy="246221"/>
           </a:xfrm>
           <a:prstGeom prst="rect">
             <a:avLst/>
@@ -4046,11 +4047,7 @@
           <a:p>
             <a:r>
               <a:rPr kumimoji="1" lang="en-US" altLang="ko-Kore-GB" sz="1000" dirty="0"/>
-              <a:t>1st </a:t>
-            </a:r>
-            <a:r>
-              <a:rPr kumimoji="1" lang="en-US" altLang="ko-KR" sz="1000" dirty="0"/>
-              <a:t>episode</a:t>
+              <a:t>1st timestep</a:t>
             </a:r>
             <a:endParaRPr kumimoji="1" lang="ko-Kore-GB" altLang="en-US" sz="1000" dirty="0"/>
           </a:p>
@@ -4071,7 +4068,7 @@
         <p:spPr>
           <a:xfrm>
             <a:off x="2222692" y="1637676"/>
-            <a:ext cx="822661" cy="246221"/>
+            <a:ext cx="877163" cy="246221"/>
           </a:xfrm>
           <a:prstGeom prst="rect">
             <a:avLst/>
@@ -4086,11 +4083,7 @@
           <a:p>
             <a:r>
               <a:rPr kumimoji="1" lang="en-US" altLang="ko-Kore-GB" sz="1000" dirty="0"/>
-              <a:t>2nd </a:t>
-            </a:r>
-            <a:r>
-              <a:rPr kumimoji="1" lang="en-US" altLang="ko-KR" sz="1000" dirty="0"/>
-              <a:t>episode</a:t>
+              <a:t>2nd timestep</a:t>
             </a:r>
             <a:endParaRPr kumimoji="1" lang="ko-Kore-GB" altLang="en-US" sz="1000" dirty="0"/>
           </a:p>
@@ -4111,7 +4104,7 @@
         <p:spPr>
           <a:xfrm>
             <a:off x="2222692" y="2166667"/>
-            <a:ext cx="800219" cy="246221"/>
+            <a:ext cx="854721" cy="246221"/>
           </a:xfrm>
           <a:prstGeom prst="rect">
             <a:avLst/>
@@ -4126,11 +4119,7 @@
           <a:p>
             <a:r>
               <a:rPr kumimoji="1" lang="en-US" altLang="ko-Kore-GB" sz="1000" dirty="0"/>
-              <a:t>3rd </a:t>
-            </a:r>
-            <a:r>
-              <a:rPr kumimoji="1" lang="en-US" altLang="ko-KR" sz="1000" dirty="0"/>
-              <a:t>episode</a:t>
+              <a:t>3rd timestep</a:t>
             </a:r>
             <a:endParaRPr kumimoji="1" lang="ko-Kore-GB" altLang="en-US" sz="1000" dirty="0"/>
           </a:p>
@@ -4384,10 +4373,279 @@
           </a:p>
         </p:txBody>
       </p:sp>
+      <p:sp>
+        <p:nvSpPr>
+          <p:cNvPr id="2" name="TextBox 1">
+            <a:extLst>
+              <a:ext uri="{FF2B5EF4-FFF2-40B4-BE49-F238E27FC236}">
+                <a16:creationId xmlns:a16="http://schemas.microsoft.com/office/drawing/2014/main" id="{07A8B9A9-1186-E728-2592-F18F0A858E1F}"/>
+              </a:ext>
+            </a:extLst>
+          </p:cNvPr>
+          <p:cNvSpPr txBox="1"/>
+          <p:nvPr/>
+        </p:nvSpPr>
+        <p:spPr>
+          <a:xfrm>
+            <a:off x="4424397" y="1279404"/>
+            <a:ext cx="453970" cy="184666"/>
+          </a:xfrm>
+          <a:prstGeom prst="rect">
+            <a:avLst/>
+          </a:prstGeom>
+          <a:noFill/>
+        </p:spPr>
+        <p:txBody>
+          <a:bodyPr wrap="none" rtlCol="0">
+            <a:spAutoFit/>
+          </a:bodyPr>
+          <a:lstStyle/>
+          <a:p>
+            <a:r>
+              <a:rPr kumimoji="1" lang="en-US" altLang="ko-Kore-GB" sz="600" dirty="0"/>
+              <a:t>Rewards</a:t>
+            </a:r>
+            <a:endParaRPr kumimoji="1" lang="ko-Kore-GB" altLang="en-US" sz="600" dirty="0"/>
+          </a:p>
+        </p:txBody>
+      </p:sp>
+      <p:sp>
+        <p:nvSpPr>
+          <p:cNvPr id="3" name="TextBox 2">
+            <a:extLst>
+              <a:ext uri="{FF2B5EF4-FFF2-40B4-BE49-F238E27FC236}">
+                <a16:creationId xmlns:a16="http://schemas.microsoft.com/office/drawing/2014/main" id="{0E5C3087-E132-4EDF-FC49-1E4D63B2DBCC}"/>
+              </a:ext>
+            </a:extLst>
+          </p:cNvPr>
+          <p:cNvSpPr txBox="1"/>
+          <p:nvPr/>
+        </p:nvSpPr>
+        <p:spPr>
+          <a:xfrm>
+            <a:off x="5107048" y="1833668"/>
+            <a:ext cx="453970" cy="184666"/>
+          </a:xfrm>
+          <a:prstGeom prst="rect">
+            <a:avLst/>
+          </a:prstGeom>
+          <a:noFill/>
+        </p:spPr>
+        <p:txBody>
+          <a:bodyPr wrap="none" rtlCol="0">
+            <a:spAutoFit/>
+          </a:bodyPr>
+          <a:lstStyle/>
+          <a:p>
+            <a:r>
+              <a:rPr kumimoji="1" lang="en-US" altLang="ko-Kore-GB" sz="600" dirty="0"/>
+              <a:t>Rewards</a:t>
+            </a:r>
+            <a:endParaRPr kumimoji="1" lang="ko-Kore-GB" altLang="en-US" sz="600" dirty="0"/>
+          </a:p>
+        </p:txBody>
+      </p:sp>
+      <p:sp>
+        <p:nvSpPr>
+          <p:cNvPr id="6" name="TextBox 5">
+            <a:extLst>
+              <a:ext uri="{FF2B5EF4-FFF2-40B4-BE49-F238E27FC236}">
+                <a16:creationId xmlns:a16="http://schemas.microsoft.com/office/drawing/2014/main" id="{7CE15586-8900-F57E-7E89-876086E5A824}"/>
+              </a:ext>
+            </a:extLst>
+          </p:cNvPr>
+          <p:cNvSpPr txBox="1"/>
+          <p:nvPr/>
+        </p:nvSpPr>
+        <p:spPr>
+          <a:xfrm>
+            <a:off x="3549917" y="747947"/>
+            <a:ext cx="367408" cy="184666"/>
+          </a:xfrm>
+          <a:prstGeom prst="rect">
+            <a:avLst/>
+          </a:prstGeom>
+          <a:noFill/>
+        </p:spPr>
+        <p:txBody>
+          <a:bodyPr wrap="none" rtlCol="0">
+            <a:spAutoFit/>
+          </a:bodyPr>
+          <a:lstStyle/>
+          <a:p>
+            <a:r>
+              <a:rPr kumimoji="1" lang="en-US" altLang="ko-Kore-GB" sz="600" dirty="0"/>
+              <a:t>Policy</a:t>
+            </a:r>
+            <a:endParaRPr kumimoji="1" lang="ko-Kore-GB" altLang="en-US" sz="600" dirty="0"/>
+          </a:p>
+        </p:txBody>
+      </p:sp>
+      <p:cxnSp>
+        <p:nvCxnSpPr>
+          <p:cNvPr id="11" name="직선 화살표 연결선 10">
+            <a:extLst>
+              <a:ext uri="{FF2B5EF4-FFF2-40B4-BE49-F238E27FC236}">
+                <a16:creationId xmlns:a16="http://schemas.microsoft.com/office/drawing/2014/main" id="{454F3F54-8759-CADE-F05D-E345A4C3C279}"/>
+              </a:ext>
+            </a:extLst>
+          </p:cNvPr>
+          <p:cNvCxnSpPr>
+            <a:cxnSpLocks/>
+            <a:stCxn id="6" idx="2"/>
+          </p:cNvCxnSpPr>
+          <p:nvPr/>
+        </p:nvCxnSpPr>
+        <p:spPr>
+          <a:xfrm>
+            <a:off x="3733621" y="932613"/>
+            <a:ext cx="0" cy="299182"/>
+          </a:xfrm>
+          <a:prstGeom prst="straightConnector1">
+            <a:avLst/>
+          </a:prstGeom>
+          <a:ln>
+            <a:solidFill>
+              <a:schemeClr val="tx1"/>
+            </a:solidFill>
+            <a:headEnd type="none" w="med" len="med"/>
+            <a:tailEnd type="arrow" w="med" len="med"/>
+          </a:ln>
+        </p:spPr>
+        <p:style>
+          <a:lnRef idx="1">
+            <a:schemeClr val="accent1"/>
+          </a:lnRef>
+          <a:fillRef idx="0">
+            <a:schemeClr val="accent1"/>
+          </a:fillRef>
+          <a:effectRef idx="0">
+            <a:schemeClr val="accent1"/>
+          </a:effectRef>
+          <a:fontRef idx="minor">
+            <a:schemeClr val="tx1"/>
+          </a:fontRef>
+        </p:style>
+      </p:cxnSp>
+      <p:sp>
+        <p:nvSpPr>
+          <p:cNvPr id="15" name="오른쪽 중괄호[R] 14">
+            <a:extLst>
+              <a:ext uri="{FF2B5EF4-FFF2-40B4-BE49-F238E27FC236}">
+                <a16:creationId xmlns:a16="http://schemas.microsoft.com/office/drawing/2014/main" id="{1364EB17-171D-2FBB-072A-B4E1B7A10E11}"/>
+              </a:ext>
+            </a:extLst>
+          </p:cNvPr>
+          <p:cNvSpPr/>
+          <p:nvPr/>
+        </p:nvSpPr>
+        <p:spPr>
+          <a:xfrm>
+            <a:off x="5809490" y="845372"/>
+            <a:ext cx="440735" cy="1801911"/>
+          </a:xfrm>
+          <a:prstGeom prst="rightBrace">
+            <a:avLst/>
+          </a:prstGeom>
+          <a:ln w="28575">
+            <a:solidFill>
+              <a:schemeClr val="tx1"/>
+            </a:solidFill>
+          </a:ln>
+        </p:spPr>
+        <p:style>
+          <a:lnRef idx="1">
+            <a:schemeClr val="accent1"/>
+          </a:lnRef>
+          <a:fillRef idx="0">
+            <a:schemeClr val="accent1"/>
+          </a:fillRef>
+          <a:effectRef idx="0">
+            <a:schemeClr val="accent1"/>
+          </a:effectRef>
+          <a:fontRef idx="minor">
+            <a:schemeClr val="tx1"/>
+          </a:fontRef>
+        </p:style>
+        <p:txBody>
+          <a:bodyPr rtlCol="0" anchor="ctr"/>
+          <a:lstStyle/>
+          <a:p>
+            <a:pPr algn="ctr"/>
+            <a:endParaRPr kumimoji="1" lang="ko-Kore-GB" altLang="en-US"/>
+          </a:p>
+        </p:txBody>
+      </p:sp>
+      <p:sp>
+        <p:nvSpPr>
+          <p:cNvPr id="17" name="TextBox 16">
+            <a:extLst>
+              <a:ext uri="{FF2B5EF4-FFF2-40B4-BE49-F238E27FC236}">
+                <a16:creationId xmlns:a16="http://schemas.microsoft.com/office/drawing/2014/main" id="{23E7E872-775B-9452-4A05-441825D42D8D}"/>
+              </a:ext>
+            </a:extLst>
+          </p:cNvPr>
+          <p:cNvSpPr txBox="1"/>
+          <p:nvPr/>
+        </p:nvSpPr>
+        <p:spPr>
+          <a:xfrm>
+            <a:off x="6255757" y="1630911"/>
+            <a:ext cx="553357" cy="230832"/>
+          </a:xfrm>
+          <a:prstGeom prst="rect">
+            <a:avLst/>
+          </a:prstGeom>
+          <a:noFill/>
+        </p:spPr>
+        <p:txBody>
+          <a:bodyPr wrap="none" rtlCol="0">
+            <a:spAutoFit/>
+          </a:bodyPr>
+          <a:lstStyle/>
+          <a:p>
+            <a:r>
+              <a:rPr kumimoji="1" lang="en-US" altLang="ko-Kore-GB" sz="900" dirty="0"/>
+              <a:t>Episode</a:t>
+            </a:r>
+            <a:endParaRPr kumimoji="1" lang="ko-Kore-GB" altLang="en-US" sz="900" dirty="0"/>
+          </a:p>
+        </p:txBody>
+      </p:sp>
     </p:spTree>
     <p:extLst>
       <p:ext uri="{BB962C8B-B14F-4D97-AF65-F5344CB8AC3E}">
         <p14:creationId xmlns:p14="http://schemas.microsoft.com/office/powerpoint/2010/main" val="1111147111"/>
+      </p:ext>
+    </p:extLst>
+  </p:cSld>
+  <p:clrMapOvr>
+    <a:masterClrMapping/>
+  </p:clrMapOvr>
+</p:sld>
+</file>
+
+<file path=ppt/slides/slide2.xml><?xml version="1.0" encoding="utf-8"?>
+<p:sld xmlns:a="http://schemas.openxmlformats.org/drawingml/2006/main" xmlns:r="http://schemas.openxmlformats.org/officeDocument/2006/relationships" xmlns:p="http://schemas.openxmlformats.org/presentationml/2006/main">
+  <p:cSld>
+    <p:spTree>
+      <p:nvGrpSpPr>
+        <p:cNvPr id="1" name=""/>
+        <p:cNvGrpSpPr/>
+        <p:nvPr/>
+      </p:nvGrpSpPr>
+      <p:grpSpPr>
+        <a:xfrm>
+          <a:off x="0" y="0"/>
+          <a:ext cx="0" cy="0"/>
+          <a:chOff x="0" y="0"/>
+          <a:chExt cx="0" cy="0"/>
+        </a:xfrm>
+      </p:grpSpPr>
+    </p:spTree>
+    <p:extLst>
+      <p:ext uri="{BB962C8B-B14F-4D97-AF65-F5344CB8AC3E}">
+        <p14:creationId xmlns:p14="http://schemas.microsoft.com/office/powerpoint/2010/main" val="1015990653"/>
       </p:ext>
     </p:extLst>
   </p:cSld>

--- a/논문/그림/프레젠테이션1.pptx
+++ b/논문/그림/프레젠테이션1.pptx
@@ -4642,6 +4642,1180 @@
           <a:chExt cx="0" cy="0"/>
         </a:xfrm>
       </p:grpSpPr>
+      <p:sp>
+        <p:nvSpPr>
+          <p:cNvPr id="9" name="TextBox 8">
+            <a:extLst>
+              <a:ext uri="{FF2B5EF4-FFF2-40B4-BE49-F238E27FC236}">
+                <a16:creationId xmlns:a16="http://schemas.microsoft.com/office/drawing/2014/main" id="{4562180F-FCBB-D496-91BB-B55A7C9C97FE}"/>
+              </a:ext>
+            </a:extLst>
+          </p:cNvPr>
+          <p:cNvSpPr txBox="1"/>
+          <p:nvPr/>
+        </p:nvSpPr>
+        <p:spPr>
+          <a:xfrm>
+            <a:off x="1965434" y="168166"/>
+            <a:ext cx="2718693" cy="369332"/>
+          </a:xfrm>
+          <a:prstGeom prst="rect">
+            <a:avLst/>
+          </a:prstGeom>
+          <a:noFill/>
+        </p:spPr>
+        <p:txBody>
+          <a:bodyPr wrap="none" rtlCol="0">
+            <a:spAutoFit/>
+          </a:bodyPr>
+          <a:lstStyle/>
+          <a:p>
+            <a:r>
+              <a:rPr kumimoji="1" lang="en-US" altLang="ko-Kore-GB" dirty="0"/>
+              <a:t>Flowchart of Methodology</a:t>
+            </a:r>
+            <a:endParaRPr kumimoji="1" lang="ko-Kore-GB" altLang="en-US" dirty="0"/>
+          </a:p>
+        </p:txBody>
+      </p:sp>
+      <p:sp>
+        <p:nvSpPr>
+          <p:cNvPr id="12" name="직사각형 11">
+            <a:extLst>
+              <a:ext uri="{FF2B5EF4-FFF2-40B4-BE49-F238E27FC236}">
+                <a16:creationId xmlns:a16="http://schemas.microsoft.com/office/drawing/2014/main" id="{6ECBCF4C-790A-0D0B-C1FA-BA62E0A15E2F}"/>
+              </a:ext>
+            </a:extLst>
+          </p:cNvPr>
+          <p:cNvSpPr/>
+          <p:nvPr/>
+        </p:nvSpPr>
+        <p:spPr>
+          <a:xfrm>
+            <a:off x="1379538" y="1082566"/>
+            <a:ext cx="2950724" cy="2133600"/>
+          </a:xfrm>
+          <a:prstGeom prst="rect">
+            <a:avLst/>
+          </a:prstGeom>
+          <a:noFill/>
+          <a:ln>
+            <a:solidFill>
+              <a:schemeClr val="tx1"/>
+            </a:solidFill>
+          </a:ln>
+        </p:spPr>
+        <p:style>
+          <a:lnRef idx="2">
+            <a:schemeClr val="accent1">
+              <a:shade val="15000"/>
+            </a:schemeClr>
+          </a:lnRef>
+          <a:fillRef idx="1">
+            <a:schemeClr val="accent1"/>
+          </a:fillRef>
+          <a:effectRef idx="0">
+            <a:schemeClr val="accent1"/>
+          </a:effectRef>
+          <a:fontRef idx="minor">
+            <a:schemeClr val="lt1"/>
+          </a:fontRef>
+        </p:style>
+        <p:txBody>
+          <a:bodyPr rtlCol="0" anchor="ctr"/>
+          <a:lstStyle/>
+          <a:p>
+            <a:pPr algn="ctr"/>
+            <a:endParaRPr kumimoji="1" lang="ko-Kore-GB" altLang="en-US"/>
+          </a:p>
+        </p:txBody>
+      </p:sp>
+      <p:sp>
+        <p:nvSpPr>
+          <p:cNvPr id="13" name="TextBox 12">
+            <a:extLst>
+              <a:ext uri="{FF2B5EF4-FFF2-40B4-BE49-F238E27FC236}">
+                <a16:creationId xmlns:a16="http://schemas.microsoft.com/office/drawing/2014/main" id="{98D90FDC-17AA-27A3-F9E1-7CAD7699307D}"/>
+              </a:ext>
+            </a:extLst>
+          </p:cNvPr>
+          <p:cNvSpPr txBox="1"/>
+          <p:nvPr/>
+        </p:nvSpPr>
+        <p:spPr>
+          <a:xfrm>
+            <a:off x="1379538" y="713234"/>
+            <a:ext cx="407484" cy="369332"/>
+          </a:xfrm>
+          <a:prstGeom prst="rect">
+            <a:avLst/>
+          </a:prstGeom>
+          <a:noFill/>
+        </p:spPr>
+        <p:txBody>
+          <a:bodyPr wrap="none" rtlCol="0">
+            <a:spAutoFit/>
+          </a:bodyPr>
+          <a:lstStyle/>
+          <a:p>
+            <a:r>
+              <a:rPr kumimoji="1" lang="en-US" altLang="ko-Kore-GB" dirty="0"/>
+              <a:t>RL</a:t>
+            </a:r>
+            <a:endParaRPr kumimoji="1" lang="ko-Kore-GB" altLang="en-US" dirty="0"/>
+          </a:p>
+        </p:txBody>
+      </p:sp>
+      <p:grpSp>
+        <p:nvGrpSpPr>
+          <p:cNvPr id="24" name="그룹 23">
+            <a:extLst>
+              <a:ext uri="{FF2B5EF4-FFF2-40B4-BE49-F238E27FC236}">
+                <a16:creationId xmlns:a16="http://schemas.microsoft.com/office/drawing/2014/main" id="{9AA6D62F-E50D-6D5E-4273-E58D6C225BE3}"/>
+              </a:ext>
+            </a:extLst>
+          </p:cNvPr>
+          <p:cNvGrpSpPr/>
+          <p:nvPr/>
+        </p:nvGrpSpPr>
+        <p:grpSpPr>
+          <a:xfrm rot="424463">
+            <a:off x="1596809" y="1211183"/>
+            <a:ext cx="471706" cy="224487"/>
+            <a:chOff x="1583280" y="1220686"/>
+            <a:chExt cx="471706" cy="224487"/>
+          </a:xfrm>
+        </p:grpSpPr>
+        <p:cxnSp>
+          <p:nvCxnSpPr>
+            <p:cNvPr id="15" name="직선 연결선[R] 14">
+              <a:extLst>
+                <a:ext uri="{FF2B5EF4-FFF2-40B4-BE49-F238E27FC236}">
+                  <a16:creationId xmlns:a16="http://schemas.microsoft.com/office/drawing/2014/main" id="{0C6BA84E-8E32-C7EF-14EB-25A2E9AF346B}"/>
+                </a:ext>
+              </a:extLst>
+            </p:cNvPr>
+            <p:cNvCxnSpPr>
+              <a:cxnSpLocks/>
+            </p:cNvCxnSpPr>
+            <p:nvPr/>
+          </p:nvCxnSpPr>
+          <p:spPr>
+            <a:xfrm flipV="1">
+              <a:off x="1583280" y="1257817"/>
+              <a:ext cx="166906" cy="187356"/>
+            </a:xfrm>
+            <a:prstGeom prst="line">
+              <a:avLst/>
+            </a:prstGeom>
+          </p:spPr>
+          <p:style>
+            <a:lnRef idx="1">
+              <a:schemeClr val="accent1"/>
+            </a:lnRef>
+            <a:fillRef idx="0">
+              <a:schemeClr val="accent1"/>
+            </a:fillRef>
+            <a:effectRef idx="0">
+              <a:schemeClr val="accent1"/>
+            </a:effectRef>
+            <a:fontRef idx="minor">
+              <a:schemeClr val="tx1"/>
+            </a:fontRef>
+          </p:style>
+        </p:cxnSp>
+        <p:cxnSp>
+          <p:nvCxnSpPr>
+            <p:cNvPr id="21" name="직선 연결선[R] 20">
+              <a:extLst>
+                <a:ext uri="{FF2B5EF4-FFF2-40B4-BE49-F238E27FC236}">
+                  <a16:creationId xmlns:a16="http://schemas.microsoft.com/office/drawing/2014/main" id="{0A00E724-65A6-EA1B-BEAF-A84A2F1F2B5B}"/>
+                </a:ext>
+              </a:extLst>
+            </p:cNvPr>
+            <p:cNvCxnSpPr>
+              <a:cxnSpLocks/>
+            </p:cNvCxnSpPr>
+            <p:nvPr/>
+          </p:nvCxnSpPr>
+          <p:spPr>
+            <a:xfrm>
+              <a:off x="1752230" y="1263870"/>
+              <a:ext cx="135850" cy="138762"/>
+            </a:xfrm>
+            <a:prstGeom prst="line">
+              <a:avLst/>
+            </a:prstGeom>
+          </p:spPr>
+          <p:style>
+            <a:lnRef idx="1">
+              <a:schemeClr val="accent1"/>
+            </a:lnRef>
+            <a:fillRef idx="0">
+              <a:schemeClr val="accent1"/>
+            </a:fillRef>
+            <a:effectRef idx="0">
+              <a:schemeClr val="accent1"/>
+            </a:effectRef>
+            <a:fontRef idx="minor">
+              <a:schemeClr val="tx1"/>
+            </a:fontRef>
+          </p:style>
+        </p:cxnSp>
+        <p:cxnSp>
+          <p:nvCxnSpPr>
+            <p:cNvPr id="22" name="직선 연결선[R] 21">
+              <a:extLst>
+                <a:ext uri="{FF2B5EF4-FFF2-40B4-BE49-F238E27FC236}">
+                  <a16:creationId xmlns:a16="http://schemas.microsoft.com/office/drawing/2014/main" id="{D23B9AF2-F5FC-9C28-94AC-3E8571308FFB}"/>
+                </a:ext>
+              </a:extLst>
+            </p:cNvPr>
+            <p:cNvCxnSpPr>
+              <a:cxnSpLocks/>
+            </p:cNvCxnSpPr>
+            <p:nvPr/>
+          </p:nvCxnSpPr>
+          <p:spPr>
+            <a:xfrm flipV="1">
+              <a:off x="1888080" y="1220686"/>
+              <a:ext cx="166906" cy="187356"/>
+            </a:xfrm>
+            <a:prstGeom prst="line">
+              <a:avLst/>
+            </a:prstGeom>
+          </p:spPr>
+          <p:style>
+            <a:lnRef idx="1">
+              <a:schemeClr val="accent1"/>
+            </a:lnRef>
+            <a:fillRef idx="0">
+              <a:schemeClr val="accent1"/>
+            </a:fillRef>
+            <a:effectRef idx="0">
+              <a:schemeClr val="accent1"/>
+            </a:effectRef>
+            <a:fontRef idx="minor">
+              <a:schemeClr val="tx1"/>
+            </a:fontRef>
+          </p:style>
+        </p:cxnSp>
+      </p:grpSp>
+      <p:grpSp>
+        <p:nvGrpSpPr>
+          <p:cNvPr id="25" name="그룹 24">
+            <a:extLst>
+              <a:ext uri="{FF2B5EF4-FFF2-40B4-BE49-F238E27FC236}">
+                <a16:creationId xmlns:a16="http://schemas.microsoft.com/office/drawing/2014/main" id="{29555E27-3A84-7DC4-5DA3-3B339857E46D}"/>
+              </a:ext>
+            </a:extLst>
+          </p:cNvPr>
+          <p:cNvGrpSpPr/>
+          <p:nvPr/>
+        </p:nvGrpSpPr>
+        <p:grpSpPr>
+          <a:xfrm rot="21175537" flipV="1">
+            <a:off x="1852437" y="1596093"/>
+            <a:ext cx="471706" cy="224487"/>
+            <a:chOff x="1583280" y="1220686"/>
+            <a:chExt cx="471706" cy="224487"/>
+          </a:xfrm>
+        </p:grpSpPr>
+        <p:cxnSp>
+          <p:nvCxnSpPr>
+            <p:cNvPr id="26" name="직선 연결선[R] 25">
+              <a:extLst>
+                <a:ext uri="{FF2B5EF4-FFF2-40B4-BE49-F238E27FC236}">
+                  <a16:creationId xmlns:a16="http://schemas.microsoft.com/office/drawing/2014/main" id="{37475E9A-1117-2539-F24D-0A4651E0C90E}"/>
+                </a:ext>
+              </a:extLst>
+            </p:cNvPr>
+            <p:cNvCxnSpPr>
+              <a:cxnSpLocks/>
+            </p:cNvCxnSpPr>
+            <p:nvPr/>
+          </p:nvCxnSpPr>
+          <p:spPr>
+            <a:xfrm flipV="1">
+              <a:off x="1583280" y="1257817"/>
+              <a:ext cx="166906" cy="187356"/>
+            </a:xfrm>
+            <a:prstGeom prst="line">
+              <a:avLst/>
+            </a:prstGeom>
+          </p:spPr>
+          <p:style>
+            <a:lnRef idx="1">
+              <a:schemeClr val="accent1"/>
+            </a:lnRef>
+            <a:fillRef idx="0">
+              <a:schemeClr val="accent1"/>
+            </a:fillRef>
+            <a:effectRef idx="0">
+              <a:schemeClr val="accent1"/>
+            </a:effectRef>
+            <a:fontRef idx="minor">
+              <a:schemeClr val="tx1"/>
+            </a:fontRef>
+          </p:style>
+        </p:cxnSp>
+        <p:cxnSp>
+          <p:nvCxnSpPr>
+            <p:cNvPr id="27" name="직선 연결선[R] 26">
+              <a:extLst>
+                <a:ext uri="{FF2B5EF4-FFF2-40B4-BE49-F238E27FC236}">
+                  <a16:creationId xmlns:a16="http://schemas.microsoft.com/office/drawing/2014/main" id="{9AC07256-D3B9-8D2D-0D75-7E22640CEA66}"/>
+                </a:ext>
+              </a:extLst>
+            </p:cNvPr>
+            <p:cNvCxnSpPr>
+              <a:cxnSpLocks/>
+            </p:cNvCxnSpPr>
+            <p:nvPr/>
+          </p:nvCxnSpPr>
+          <p:spPr>
+            <a:xfrm>
+              <a:off x="1752230" y="1263870"/>
+              <a:ext cx="135850" cy="138762"/>
+            </a:xfrm>
+            <a:prstGeom prst="line">
+              <a:avLst/>
+            </a:prstGeom>
+          </p:spPr>
+          <p:style>
+            <a:lnRef idx="1">
+              <a:schemeClr val="accent1"/>
+            </a:lnRef>
+            <a:fillRef idx="0">
+              <a:schemeClr val="accent1"/>
+            </a:fillRef>
+            <a:effectRef idx="0">
+              <a:schemeClr val="accent1"/>
+            </a:effectRef>
+            <a:fontRef idx="minor">
+              <a:schemeClr val="tx1"/>
+            </a:fontRef>
+          </p:style>
+        </p:cxnSp>
+        <p:cxnSp>
+          <p:nvCxnSpPr>
+            <p:cNvPr id="28" name="직선 연결선[R] 27">
+              <a:extLst>
+                <a:ext uri="{FF2B5EF4-FFF2-40B4-BE49-F238E27FC236}">
+                  <a16:creationId xmlns:a16="http://schemas.microsoft.com/office/drawing/2014/main" id="{F5822AB0-4836-84DB-9306-E6174708661D}"/>
+                </a:ext>
+              </a:extLst>
+            </p:cNvPr>
+            <p:cNvCxnSpPr>
+              <a:cxnSpLocks/>
+            </p:cNvCxnSpPr>
+            <p:nvPr/>
+          </p:nvCxnSpPr>
+          <p:spPr>
+            <a:xfrm flipV="1">
+              <a:off x="1888080" y="1220686"/>
+              <a:ext cx="166906" cy="187356"/>
+            </a:xfrm>
+            <a:prstGeom prst="line">
+              <a:avLst/>
+            </a:prstGeom>
+          </p:spPr>
+          <p:style>
+            <a:lnRef idx="1">
+              <a:schemeClr val="accent1"/>
+            </a:lnRef>
+            <a:fillRef idx="0">
+              <a:schemeClr val="accent1"/>
+            </a:fillRef>
+            <a:effectRef idx="0">
+              <a:schemeClr val="accent1"/>
+            </a:effectRef>
+            <a:fontRef idx="minor">
+              <a:schemeClr val="tx1"/>
+            </a:fontRef>
+          </p:style>
+        </p:cxnSp>
+      </p:grpSp>
+      <p:grpSp>
+        <p:nvGrpSpPr>
+          <p:cNvPr id="43" name="그룹 42">
+            <a:extLst>
+              <a:ext uri="{FF2B5EF4-FFF2-40B4-BE49-F238E27FC236}">
+                <a16:creationId xmlns:a16="http://schemas.microsoft.com/office/drawing/2014/main" id="{6CD449B5-FC66-21FF-DAE0-CD389DA04ADC}"/>
+              </a:ext>
+            </a:extLst>
+          </p:cNvPr>
+          <p:cNvGrpSpPr/>
+          <p:nvPr/>
+        </p:nvGrpSpPr>
+        <p:grpSpPr>
+          <a:xfrm rot="1629341">
+            <a:off x="1597882" y="2023838"/>
+            <a:ext cx="410284" cy="164087"/>
+            <a:chOff x="1678006" y="1944892"/>
+            <a:chExt cx="410284" cy="164087"/>
+          </a:xfrm>
+        </p:grpSpPr>
+        <p:cxnSp>
+          <p:nvCxnSpPr>
+            <p:cNvPr id="30" name="직선 연결선[R] 29">
+              <a:extLst>
+                <a:ext uri="{FF2B5EF4-FFF2-40B4-BE49-F238E27FC236}">
+                  <a16:creationId xmlns:a16="http://schemas.microsoft.com/office/drawing/2014/main" id="{5733A0B7-AED1-B294-BFB8-EFF8E8BDA7A4}"/>
+                </a:ext>
+              </a:extLst>
+            </p:cNvPr>
+            <p:cNvCxnSpPr>
+              <a:cxnSpLocks/>
+            </p:cNvCxnSpPr>
+            <p:nvPr/>
+          </p:nvCxnSpPr>
+          <p:spPr>
+            <a:xfrm flipV="1">
+              <a:off x="1678006" y="1949019"/>
+              <a:ext cx="96461" cy="159960"/>
+            </a:xfrm>
+            <a:prstGeom prst="line">
+              <a:avLst/>
+            </a:prstGeom>
+          </p:spPr>
+          <p:style>
+            <a:lnRef idx="1">
+              <a:schemeClr val="accent1"/>
+            </a:lnRef>
+            <a:fillRef idx="0">
+              <a:schemeClr val="accent1"/>
+            </a:fillRef>
+            <a:effectRef idx="0">
+              <a:schemeClr val="accent1"/>
+            </a:effectRef>
+            <a:fontRef idx="minor">
+              <a:schemeClr val="tx1"/>
+            </a:fontRef>
+          </p:style>
+        </p:cxnSp>
+        <p:cxnSp>
+          <p:nvCxnSpPr>
+            <p:cNvPr id="31" name="직선 연결선[R] 30">
+              <a:extLst>
+                <a:ext uri="{FF2B5EF4-FFF2-40B4-BE49-F238E27FC236}">
+                  <a16:creationId xmlns:a16="http://schemas.microsoft.com/office/drawing/2014/main" id="{7DEC9800-4EE6-E3AF-986C-B3D5EB289301}"/>
+                </a:ext>
+              </a:extLst>
+            </p:cNvPr>
+            <p:cNvCxnSpPr>
+              <a:cxnSpLocks/>
+            </p:cNvCxnSpPr>
+            <p:nvPr/>
+          </p:nvCxnSpPr>
+          <p:spPr>
+            <a:xfrm>
+              <a:off x="1773491" y="1944892"/>
+              <a:ext cx="219314" cy="0"/>
+            </a:xfrm>
+            <a:prstGeom prst="line">
+              <a:avLst/>
+            </a:prstGeom>
+          </p:spPr>
+          <p:style>
+            <a:lnRef idx="1">
+              <a:schemeClr val="accent1"/>
+            </a:lnRef>
+            <a:fillRef idx="0">
+              <a:schemeClr val="accent1"/>
+            </a:fillRef>
+            <a:effectRef idx="0">
+              <a:schemeClr val="accent1"/>
+            </a:effectRef>
+            <a:fontRef idx="minor">
+              <a:schemeClr val="tx1"/>
+            </a:fontRef>
+          </p:style>
+        </p:cxnSp>
+        <p:cxnSp>
+          <p:nvCxnSpPr>
+            <p:cNvPr id="32" name="직선 연결선[R] 31">
+              <a:extLst>
+                <a:ext uri="{FF2B5EF4-FFF2-40B4-BE49-F238E27FC236}">
+                  <a16:creationId xmlns:a16="http://schemas.microsoft.com/office/drawing/2014/main" id="{CAC47D2D-2E4F-4559-7AE0-EC0EB9C7391F}"/>
+                </a:ext>
+              </a:extLst>
+            </p:cNvPr>
+            <p:cNvCxnSpPr>
+              <a:cxnSpLocks/>
+            </p:cNvCxnSpPr>
+            <p:nvPr/>
+          </p:nvCxnSpPr>
+          <p:spPr>
+            <a:xfrm>
+              <a:off x="1995066" y="1944892"/>
+              <a:ext cx="93224" cy="164087"/>
+            </a:xfrm>
+            <a:prstGeom prst="line">
+              <a:avLst/>
+            </a:prstGeom>
+          </p:spPr>
+          <p:style>
+            <a:lnRef idx="1">
+              <a:schemeClr val="accent1"/>
+            </a:lnRef>
+            <a:fillRef idx="0">
+              <a:schemeClr val="accent1"/>
+            </a:fillRef>
+            <a:effectRef idx="0">
+              <a:schemeClr val="accent1"/>
+            </a:effectRef>
+            <a:fontRef idx="minor">
+              <a:schemeClr val="tx1"/>
+            </a:fontRef>
+          </p:style>
+        </p:cxnSp>
+      </p:grpSp>
+      <p:grpSp>
+        <p:nvGrpSpPr>
+          <p:cNvPr id="39" name="그룹 38">
+            <a:extLst>
+              <a:ext uri="{FF2B5EF4-FFF2-40B4-BE49-F238E27FC236}">
+                <a16:creationId xmlns:a16="http://schemas.microsoft.com/office/drawing/2014/main" id="{0103C2A3-C963-AE83-7DBD-7ABE34A927CE}"/>
+              </a:ext>
+            </a:extLst>
+          </p:cNvPr>
+          <p:cNvGrpSpPr/>
+          <p:nvPr/>
+        </p:nvGrpSpPr>
+        <p:grpSpPr>
+          <a:xfrm rot="693897" flipV="1">
+            <a:off x="1596787" y="2359582"/>
+            <a:ext cx="464564" cy="238506"/>
+            <a:chOff x="1583280" y="1220686"/>
+            <a:chExt cx="471706" cy="224487"/>
+          </a:xfrm>
+        </p:grpSpPr>
+        <p:cxnSp>
+          <p:nvCxnSpPr>
+            <p:cNvPr id="40" name="직선 연결선[R] 39">
+              <a:extLst>
+                <a:ext uri="{FF2B5EF4-FFF2-40B4-BE49-F238E27FC236}">
+                  <a16:creationId xmlns:a16="http://schemas.microsoft.com/office/drawing/2014/main" id="{40051D71-1718-1D23-CB64-54251396B44E}"/>
+                </a:ext>
+              </a:extLst>
+            </p:cNvPr>
+            <p:cNvCxnSpPr>
+              <a:cxnSpLocks/>
+            </p:cNvCxnSpPr>
+            <p:nvPr/>
+          </p:nvCxnSpPr>
+          <p:spPr>
+            <a:xfrm flipV="1">
+              <a:off x="1583280" y="1257817"/>
+              <a:ext cx="166906" cy="187356"/>
+            </a:xfrm>
+            <a:prstGeom prst="line">
+              <a:avLst/>
+            </a:prstGeom>
+          </p:spPr>
+          <p:style>
+            <a:lnRef idx="1">
+              <a:schemeClr val="accent1"/>
+            </a:lnRef>
+            <a:fillRef idx="0">
+              <a:schemeClr val="accent1"/>
+            </a:fillRef>
+            <a:effectRef idx="0">
+              <a:schemeClr val="accent1"/>
+            </a:effectRef>
+            <a:fontRef idx="minor">
+              <a:schemeClr val="tx1"/>
+            </a:fontRef>
+          </p:style>
+        </p:cxnSp>
+        <p:cxnSp>
+          <p:nvCxnSpPr>
+            <p:cNvPr id="41" name="직선 연결선[R] 40">
+              <a:extLst>
+                <a:ext uri="{FF2B5EF4-FFF2-40B4-BE49-F238E27FC236}">
+                  <a16:creationId xmlns:a16="http://schemas.microsoft.com/office/drawing/2014/main" id="{C97868F0-34EE-786A-DA1F-4352776A60B7}"/>
+                </a:ext>
+              </a:extLst>
+            </p:cNvPr>
+            <p:cNvCxnSpPr>
+              <a:cxnSpLocks/>
+            </p:cNvCxnSpPr>
+            <p:nvPr/>
+          </p:nvCxnSpPr>
+          <p:spPr>
+            <a:xfrm>
+              <a:off x="1752230" y="1263870"/>
+              <a:ext cx="135850" cy="138762"/>
+            </a:xfrm>
+            <a:prstGeom prst="line">
+              <a:avLst/>
+            </a:prstGeom>
+          </p:spPr>
+          <p:style>
+            <a:lnRef idx="1">
+              <a:schemeClr val="accent1"/>
+            </a:lnRef>
+            <a:fillRef idx="0">
+              <a:schemeClr val="accent1"/>
+            </a:fillRef>
+            <a:effectRef idx="0">
+              <a:schemeClr val="accent1"/>
+            </a:effectRef>
+            <a:fontRef idx="minor">
+              <a:schemeClr val="tx1"/>
+            </a:fontRef>
+          </p:style>
+        </p:cxnSp>
+        <p:cxnSp>
+          <p:nvCxnSpPr>
+            <p:cNvPr id="42" name="직선 연결선[R] 41">
+              <a:extLst>
+                <a:ext uri="{FF2B5EF4-FFF2-40B4-BE49-F238E27FC236}">
+                  <a16:creationId xmlns:a16="http://schemas.microsoft.com/office/drawing/2014/main" id="{E31FD70A-A74C-3138-A951-0CE6E91B2C90}"/>
+                </a:ext>
+              </a:extLst>
+            </p:cNvPr>
+            <p:cNvCxnSpPr>
+              <a:cxnSpLocks/>
+            </p:cNvCxnSpPr>
+            <p:nvPr/>
+          </p:nvCxnSpPr>
+          <p:spPr>
+            <a:xfrm flipV="1">
+              <a:off x="1888080" y="1220686"/>
+              <a:ext cx="166906" cy="187356"/>
+            </a:xfrm>
+            <a:prstGeom prst="line">
+              <a:avLst/>
+            </a:prstGeom>
+          </p:spPr>
+          <p:style>
+            <a:lnRef idx="1">
+              <a:schemeClr val="accent1"/>
+            </a:lnRef>
+            <a:fillRef idx="0">
+              <a:schemeClr val="accent1"/>
+            </a:fillRef>
+            <a:effectRef idx="0">
+              <a:schemeClr val="accent1"/>
+            </a:effectRef>
+            <a:fontRef idx="minor">
+              <a:schemeClr val="tx1"/>
+            </a:fontRef>
+          </p:style>
+        </p:cxnSp>
+      </p:grpSp>
+      <p:cxnSp>
+        <p:nvCxnSpPr>
+          <p:cNvPr id="45" name="직선 화살표 연결선 44">
+            <a:extLst>
+              <a:ext uri="{FF2B5EF4-FFF2-40B4-BE49-F238E27FC236}">
+                <a16:creationId xmlns:a16="http://schemas.microsoft.com/office/drawing/2014/main" id="{427A3564-42D1-7304-E3DF-A56567DB4313}"/>
+              </a:ext>
+            </a:extLst>
+          </p:cNvPr>
+          <p:cNvCxnSpPr/>
+          <p:nvPr/>
+        </p:nvCxnSpPr>
+        <p:spPr>
+          <a:xfrm>
+            <a:off x="2147461" y="1323081"/>
+            <a:ext cx="188710" cy="0"/>
+          </a:xfrm>
+          <a:prstGeom prst="straightConnector1">
+            <a:avLst/>
+          </a:prstGeom>
+          <a:ln>
+            <a:solidFill>
+              <a:srgbClr val="FF0000"/>
+            </a:solidFill>
+            <a:tailEnd type="triangle"/>
+          </a:ln>
+        </p:spPr>
+        <p:style>
+          <a:lnRef idx="1">
+            <a:schemeClr val="accent1"/>
+          </a:lnRef>
+          <a:fillRef idx="0">
+            <a:schemeClr val="accent1"/>
+          </a:fillRef>
+          <a:effectRef idx="0">
+            <a:schemeClr val="accent1"/>
+          </a:effectRef>
+          <a:fontRef idx="minor">
+            <a:schemeClr val="tx1"/>
+          </a:fontRef>
+        </p:style>
+      </p:cxnSp>
+      <p:cxnSp>
+        <p:nvCxnSpPr>
+          <p:cNvPr id="46" name="직선 화살표 연결선 45">
+            <a:extLst>
+              <a:ext uri="{FF2B5EF4-FFF2-40B4-BE49-F238E27FC236}">
+                <a16:creationId xmlns:a16="http://schemas.microsoft.com/office/drawing/2014/main" id="{68EE893D-4A8E-7835-D0E9-C29B30F57979}"/>
+              </a:ext>
+            </a:extLst>
+          </p:cNvPr>
+          <p:cNvCxnSpPr>
+            <a:cxnSpLocks/>
+          </p:cNvCxnSpPr>
+          <p:nvPr/>
+        </p:nvCxnSpPr>
+        <p:spPr>
+          <a:xfrm flipH="1">
+            <a:off x="1597408" y="1707892"/>
+            <a:ext cx="188710" cy="0"/>
+          </a:xfrm>
+          <a:prstGeom prst="straightConnector1">
+            <a:avLst/>
+          </a:prstGeom>
+          <a:ln>
+            <a:solidFill>
+              <a:srgbClr val="FF0000"/>
+            </a:solidFill>
+            <a:tailEnd type="triangle"/>
+          </a:ln>
+        </p:spPr>
+        <p:style>
+          <a:lnRef idx="1">
+            <a:schemeClr val="accent1"/>
+          </a:lnRef>
+          <a:fillRef idx="0">
+            <a:schemeClr val="accent1"/>
+          </a:fillRef>
+          <a:effectRef idx="0">
+            <a:schemeClr val="accent1"/>
+          </a:effectRef>
+          <a:fontRef idx="minor">
+            <a:schemeClr val="tx1"/>
+          </a:fontRef>
+        </p:style>
+      </p:cxnSp>
+      <p:sp>
+        <p:nvSpPr>
+          <p:cNvPr id="48" name="자유형 47">
+            <a:extLst>
+              <a:ext uri="{FF2B5EF4-FFF2-40B4-BE49-F238E27FC236}">
+                <a16:creationId xmlns:a16="http://schemas.microsoft.com/office/drawing/2014/main" id="{329C1F5A-E79F-9EDA-4E52-4360C4D4BF71}"/>
+              </a:ext>
+            </a:extLst>
+          </p:cNvPr>
+          <p:cNvSpPr/>
+          <p:nvPr/>
+        </p:nvSpPr>
+        <p:spPr>
+          <a:xfrm rot="678589">
+            <a:off x="2047364" y="2016140"/>
+            <a:ext cx="223024" cy="196262"/>
+          </a:xfrm>
+          <a:custGeom>
+            <a:avLst/>
+            <a:gdLst>
+              <a:gd name="connsiteX0" fmla="*/ 0 w 223024"/>
+              <a:gd name="connsiteY0" fmla="*/ 196262 h 196262"/>
+              <a:gd name="connsiteX1" fmla="*/ 4460 w 223024"/>
+              <a:gd name="connsiteY1" fmla="*/ 129355 h 196262"/>
+              <a:gd name="connsiteX2" fmla="*/ 13381 w 223024"/>
+              <a:gd name="connsiteY2" fmla="*/ 115973 h 196262"/>
+              <a:gd name="connsiteX3" fmla="*/ 17842 w 223024"/>
+              <a:gd name="connsiteY3" fmla="*/ 102592 h 196262"/>
+              <a:gd name="connsiteX4" fmla="*/ 35684 w 223024"/>
+              <a:gd name="connsiteY4" fmla="*/ 75829 h 196262"/>
+              <a:gd name="connsiteX5" fmla="*/ 40144 w 223024"/>
+              <a:gd name="connsiteY5" fmla="*/ 62447 h 196262"/>
+              <a:gd name="connsiteX6" fmla="*/ 102591 w 223024"/>
+              <a:gd name="connsiteY6" fmla="*/ 53526 h 196262"/>
+              <a:gd name="connsiteX7" fmla="*/ 129354 w 223024"/>
+              <a:gd name="connsiteY7" fmla="*/ 66908 h 196262"/>
+              <a:gd name="connsiteX8" fmla="*/ 138275 w 223024"/>
+              <a:gd name="connsiteY8" fmla="*/ 93671 h 196262"/>
+              <a:gd name="connsiteX9" fmla="*/ 124894 w 223024"/>
+              <a:gd name="connsiteY9" fmla="*/ 142736 h 196262"/>
+              <a:gd name="connsiteX10" fmla="*/ 98131 w 223024"/>
+              <a:gd name="connsiteY10" fmla="*/ 151657 h 196262"/>
+              <a:gd name="connsiteX11" fmla="*/ 75828 w 223024"/>
+              <a:gd name="connsiteY11" fmla="*/ 147197 h 196262"/>
+              <a:gd name="connsiteX12" fmla="*/ 66907 w 223024"/>
+              <a:gd name="connsiteY12" fmla="*/ 133815 h 196262"/>
+              <a:gd name="connsiteX13" fmla="*/ 71368 w 223024"/>
+              <a:gd name="connsiteY13" fmla="*/ 62447 h 196262"/>
+              <a:gd name="connsiteX14" fmla="*/ 84749 w 223024"/>
+              <a:gd name="connsiteY14" fmla="*/ 35684 h 196262"/>
+              <a:gd name="connsiteX15" fmla="*/ 124894 w 223024"/>
+              <a:gd name="connsiteY15" fmla="*/ 4461 h 196262"/>
+              <a:gd name="connsiteX16" fmla="*/ 138275 w 223024"/>
+              <a:gd name="connsiteY16" fmla="*/ 0 h 196262"/>
+              <a:gd name="connsiteX17" fmla="*/ 223024 w 223024"/>
+              <a:gd name="connsiteY17" fmla="*/ 4461 h 196262"/>
+            </a:gdLst>
+            <a:ahLst/>
+            <a:cxnLst>
+              <a:cxn ang="0">
+                <a:pos x="connsiteX0" y="connsiteY0"/>
+              </a:cxn>
+              <a:cxn ang="0">
+                <a:pos x="connsiteX1" y="connsiteY1"/>
+              </a:cxn>
+              <a:cxn ang="0">
+                <a:pos x="connsiteX2" y="connsiteY2"/>
+              </a:cxn>
+              <a:cxn ang="0">
+                <a:pos x="connsiteX3" y="connsiteY3"/>
+              </a:cxn>
+              <a:cxn ang="0">
+                <a:pos x="connsiteX4" y="connsiteY4"/>
+              </a:cxn>
+              <a:cxn ang="0">
+                <a:pos x="connsiteX5" y="connsiteY5"/>
+              </a:cxn>
+              <a:cxn ang="0">
+                <a:pos x="connsiteX6" y="connsiteY6"/>
+              </a:cxn>
+              <a:cxn ang="0">
+                <a:pos x="connsiteX7" y="connsiteY7"/>
+              </a:cxn>
+              <a:cxn ang="0">
+                <a:pos x="connsiteX8" y="connsiteY8"/>
+              </a:cxn>
+              <a:cxn ang="0">
+                <a:pos x="connsiteX9" y="connsiteY9"/>
+              </a:cxn>
+              <a:cxn ang="0">
+                <a:pos x="connsiteX10" y="connsiteY10"/>
+              </a:cxn>
+              <a:cxn ang="0">
+                <a:pos x="connsiteX11" y="connsiteY11"/>
+              </a:cxn>
+              <a:cxn ang="0">
+                <a:pos x="connsiteX12" y="connsiteY12"/>
+              </a:cxn>
+              <a:cxn ang="0">
+                <a:pos x="connsiteX13" y="connsiteY13"/>
+              </a:cxn>
+              <a:cxn ang="0">
+                <a:pos x="connsiteX14" y="connsiteY14"/>
+              </a:cxn>
+              <a:cxn ang="0">
+                <a:pos x="connsiteX15" y="connsiteY15"/>
+              </a:cxn>
+              <a:cxn ang="0">
+                <a:pos x="connsiteX16" y="connsiteY16"/>
+              </a:cxn>
+              <a:cxn ang="0">
+                <a:pos x="connsiteX17" y="connsiteY17"/>
+              </a:cxn>
+            </a:cxnLst>
+            <a:rect l="l" t="t" r="r" b="b"/>
+            <a:pathLst>
+              <a:path w="223024" h="196262">
+                <a:moveTo>
+                  <a:pt x="0" y="196262"/>
+                </a:moveTo>
+                <a:cubicBezTo>
+                  <a:pt x="1487" y="173960"/>
+                  <a:pt x="786" y="151403"/>
+                  <a:pt x="4460" y="129355"/>
+                </a:cubicBezTo>
+                <a:cubicBezTo>
+                  <a:pt x="5341" y="124067"/>
+                  <a:pt x="10983" y="120768"/>
+                  <a:pt x="13381" y="115973"/>
+                </a:cubicBezTo>
+                <a:cubicBezTo>
+                  <a:pt x="15484" y="111768"/>
+                  <a:pt x="15559" y="106702"/>
+                  <a:pt x="17842" y="102592"/>
+                </a:cubicBezTo>
+                <a:cubicBezTo>
+                  <a:pt x="23049" y="93220"/>
+                  <a:pt x="35684" y="75829"/>
+                  <a:pt x="35684" y="75829"/>
+                </a:cubicBezTo>
+                <a:cubicBezTo>
+                  <a:pt x="37171" y="71368"/>
+                  <a:pt x="38041" y="66653"/>
+                  <a:pt x="40144" y="62447"/>
+                </a:cubicBezTo>
+                <a:cubicBezTo>
+                  <a:pt x="54471" y="33792"/>
+                  <a:pt x="58838" y="49880"/>
+                  <a:pt x="102591" y="53526"/>
+                </a:cubicBezTo>
+                <a:cubicBezTo>
+                  <a:pt x="109882" y="55956"/>
+                  <a:pt x="124803" y="59627"/>
+                  <a:pt x="129354" y="66908"/>
+                </a:cubicBezTo>
+                <a:cubicBezTo>
+                  <a:pt x="134338" y="74882"/>
+                  <a:pt x="138275" y="93671"/>
+                  <a:pt x="138275" y="93671"/>
+                </a:cubicBezTo>
+                <a:cubicBezTo>
+                  <a:pt x="137280" y="101629"/>
+                  <a:pt x="138617" y="134159"/>
+                  <a:pt x="124894" y="142736"/>
+                </a:cubicBezTo>
+                <a:cubicBezTo>
+                  <a:pt x="116920" y="147720"/>
+                  <a:pt x="98131" y="151657"/>
+                  <a:pt x="98131" y="151657"/>
+                </a:cubicBezTo>
+                <a:cubicBezTo>
+                  <a:pt x="90697" y="150170"/>
+                  <a:pt x="82411" y="150958"/>
+                  <a:pt x="75828" y="147197"/>
+                </a:cubicBezTo>
+                <a:cubicBezTo>
+                  <a:pt x="71173" y="144537"/>
+                  <a:pt x="67189" y="139169"/>
+                  <a:pt x="66907" y="133815"/>
+                </a:cubicBezTo>
+                <a:cubicBezTo>
+                  <a:pt x="65654" y="110012"/>
+                  <a:pt x="68873" y="86152"/>
+                  <a:pt x="71368" y="62447"/>
+                </a:cubicBezTo>
+                <a:cubicBezTo>
+                  <a:pt x="72337" y="53237"/>
+                  <a:pt x="79133" y="42423"/>
+                  <a:pt x="84749" y="35684"/>
+                </a:cubicBezTo>
+                <a:cubicBezTo>
+                  <a:pt x="93630" y="25027"/>
+                  <a:pt x="113419" y="8287"/>
+                  <a:pt x="124894" y="4461"/>
+                </a:cubicBezTo>
+                <a:lnTo>
+                  <a:pt x="138275" y="0"/>
+                </a:lnTo>
+                <a:cubicBezTo>
+                  <a:pt x="217072" y="4636"/>
+                  <a:pt x="188783" y="4461"/>
+                  <a:pt x="223024" y="4461"/>
+                </a:cubicBezTo>
+              </a:path>
+            </a:pathLst>
+          </a:custGeom>
+          <a:ln>
+            <a:solidFill>
+              <a:srgbClr val="FF0000"/>
+            </a:solidFill>
+            <a:tailEnd type="triangle"/>
+          </a:ln>
+        </p:spPr>
+        <p:style>
+          <a:lnRef idx="1">
+            <a:schemeClr val="accent1"/>
+          </a:lnRef>
+          <a:fillRef idx="0">
+            <a:schemeClr val="accent1"/>
+          </a:fillRef>
+          <a:effectRef idx="0">
+            <a:schemeClr val="accent1"/>
+          </a:effectRef>
+          <a:fontRef idx="minor">
+            <a:schemeClr val="tx1"/>
+          </a:fontRef>
+        </p:style>
+        <p:txBody>
+          <a:bodyPr rtlCol="0" anchor="ctr"/>
+          <a:lstStyle/>
+          <a:p>
+            <a:pPr algn="ctr"/>
+            <a:endParaRPr kumimoji="1" lang="ko-Kore-GB" altLang="en-US"/>
+          </a:p>
+        </p:txBody>
+      </p:sp>
+      <p:cxnSp>
+        <p:nvCxnSpPr>
+          <p:cNvPr id="50" name="직선 화살표 연결선 49">
+            <a:extLst>
+              <a:ext uri="{FF2B5EF4-FFF2-40B4-BE49-F238E27FC236}">
+                <a16:creationId xmlns:a16="http://schemas.microsoft.com/office/drawing/2014/main" id="{8E685CCA-1A12-CA7D-D72B-A70DEA4FB790}"/>
+              </a:ext>
+            </a:extLst>
+          </p:cNvPr>
+          <p:cNvCxnSpPr>
+            <a:cxnSpLocks/>
+          </p:cNvCxnSpPr>
+          <p:nvPr/>
+        </p:nvCxnSpPr>
+        <p:spPr>
+          <a:xfrm>
+            <a:off x="2135961" y="2445000"/>
+            <a:ext cx="164530" cy="137399"/>
+          </a:xfrm>
+          <a:prstGeom prst="straightConnector1">
+            <a:avLst/>
+          </a:prstGeom>
+          <a:ln>
+            <a:solidFill>
+              <a:srgbClr val="FF0000"/>
+            </a:solidFill>
+            <a:tailEnd type="triangle"/>
+          </a:ln>
+        </p:spPr>
+        <p:style>
+          <a:lnRef idx="1">
+            <a:schemeClr val="accent1"/>
+          </a:lnRef>
+          <a:fillRef idx="0">
+            <a:schemeClr val="accent1"/>
+          </a:fillRef>
+          <a:effectRef idx="0">
+            <a:schemeClr val="accent1"/>
+          </a:effectRef>
+          <a:fontRef idx="minor">
+            <a:schemeClr val="tx1"/>
+          </a:fontRef>
+        </p:style>
+      </p:cxnSp>
+      <p:sp>
+        <p:nvSpPr>
+          <p:cNvPr id="52" name="TextBox 51">
+            <a:extLst>
+              <a:ext uri="{FF2B5EF4-FFF2-40B4-BE49-F238E27FC236}">
+                <a16:creationId xmlns:a16="http://schemas.microsoft.com/office/drawing/2014/main" id="{A0FB7918-56F2-0603-00AA-C705C48F462A}"/>
+              </a:ext>
+            </a:extLst>
+          </p:cNvPr>
+          <p:cNvSpPr txBox="1"/>
+          <p:nvPr/>
+        </p:nvSpPr>
+        <p:spPr>
+          <a:xfrm>
+            <a:off x="2532185" y="1242646"/>
+            <a:ext cx="925510" cy="369332"/>
+          </a:xfrm>
+          <a:prstGeom prst="rect">
+            <a:avLst/>
+          </a:prstGeom>
+          <a:noFill/>
+        </p:spPr>
+        <p:txBody>
+          <a:bodyPr wrap="none" rtlCol="0">
+            <a:spAutoFit/>
+          </a:bodyPr>
+          <a:lstStyle/>
+          <a:p>
+            <a:r>
+              <a:rPr kumimoji="1" lang="en-US" altLang="ko-Kore-GB" dirty="0"/>
+              <a:t>forward</a:t>
+            </a:r>
+            <a:endParaRPr kumimoji="1" lang="ko-Kore-GB" altLang="en-US" dirty="0"/>
+          </a:p>
+        </p:txBody>
+      </p:sp>
+      <p:sp>
+        <p:nvSpPr>
+          <p:cNvPr id="53" name="TextBox 52">
+            <a:extLst>
+              <a:ext uri="{FF2B5EF4-FFF2-40B4-BE49-F238E27FC236}">
+                <a16:creationId xmlns:a16="http://schemas.microsoft.com/office/drawing/2014/main" id="{DFF12CA2-9735-48C5-2B60-C0C2C45C083E}"/>
+              </a:ext>
+            </a:extLst>
+          </p:cNvPr>
+          <p:cNvSpPr txBox="1"/>
+          <p:nvPr/>
+        </p:nvSpPr>
+        <p:spPr>
+          <a:xfrm>
+            <a:off x="2532185" y="1523226"/>
+            <a:ext cx="1091068" cy="369332"/>
+          </a:xfrm>
+          <a:prstGeom prst="rect">
+            <a:avLst/>
+          </a:prstGeom>
+          <a:noFill/>
+        </p:spPr>
+        <p:txBody>
+          <a:bodyPr wrap="none" rtlCol="0">
+            <a:spAutoFit/>
+          </a:bodyPr>
+          <a:lstStyle/>
+          <a:p>
+            <a:r>
+              <a:rPr kumimoji="1" lang="en-US" altLang="ko-Kore-GB" dirty="0"/>
+              <a:t>backward</a:t>
+            </a:r>
+            <a:endParaRPr kumimoji="1" lang="ko-Kore-GB" altLang="en-US" dirty="0"/>
+          </a:p>
+        </p:txBody>
+      </p:sp>
+      <p:sp>
+        <p:nvSpPr>
+          <p:cNvPr id="54" name="TextBox 53">
+            <a:extLst>
+              <a:ext uri="{FF2B5EF4-FFF2-40B4-BE49-F238E27FC236}">
+                <a16:creationId xmlns:a16="http://schemas.microsoft.com/office/drawing/2014/main" id="{AD1A2BF4-692B-BA45-0954-2833F2663EE2}"/>
+              </a:ext>
+            </a:extLst>
+          </p:cNvPr>
+          <p:cNvSpPr txBox="1"/>
+          <p:nvPr/>
+        </p:nvSpPr>
+        <p:spPr>
+          <a:xfrm>
+            <a:off x="2576982" y="1929605"/>
+            <a:ext cx="971741" cy="369332"/>
+          </a:xfrm>
+          <a:prstGeom prst="rect">
+            <a:avLst/>
+          </a:prstGeom>
+          <a:noFill/>
+        </p:spPr>
+        <p:txBody>
+          <a:bodyPr wrap="none" rtlCol="0">
+            <a:spAutoFit/>
+          </a:bodyPr>
+          <a:lstStyle/>
+          <a:p>
+            <a:r>
+              <a:rPr kumimoji="1" lang="en-US" altLang="ko-Kore-GB" dirty="0"/>
+              <a:t>Jelly fish</a:t>
+            </a:r>
+            <a:endParaRPr kumimoji="1" lang="ko-Kore-GB" altLang="en-US" dirty="0"/>
+          </a:p>
+        </p:txBody>
+      </p:sp>
+      <p:sp>
+        <p:nvSpPr>
+          <p:cNvPr id="55" name="TextBox 54">
+            <a:extLst>
+              <a:ext uri="{FF2B5EF4-FFF2-40B4-BE49-F238E27FC236}">
+                <a16:creationId xmlns:a16="http://schemas.microsoft.com/office/drawing/2014/main" id="{714D2840-13A1-B0B2-43C7-CAA98D261782}"/>
+              </a:ext>
+            </a:extLst>
+          </p:cNvPr>
+          <p:cNvSpPr txBox="1"/>
+          <p:nvPr/>
+        </p:nvSpPr>
+        <p:spPr>
+          <a:xfrm>
+            <a:off x="2509069" y="2315435"/>
+            <a:ext cx="1121910" cy="369332"/>
+          </a:xfrm>
+          <a:prstGeom prst="rect">
+            <a:avLst/>
+          </a:prstGeom>
+          <a:noFill/>
+        </p:spPr>
+        <p:txBody>
+          <a:bodyPr wrap="none" rtlCol="0">
+            <a:spAutoFit/>
+          </a:bodyPr>
+          <a:lstStyle/>
+          <a:p>
+            <a:r>
+              <a:rPr kumimoji="1" lang="en-US" altLang="ko-Kore-GB"/>
+              <a:t>Right turn</a:t>
+            </a:r>
+            <a:endParaRPr kumimoji="1" lang="ko-Kore-GB" altLang="en-US" dirty="0"/>
+          </a:p>
+        </p:txBody>
+      </p:sp>
     </p:spTree>
     <p:extLst>
       <p:ext uri="{BB962C8B-B14F-4D97-AF65-F5344CB8AC3E}">

--- a/논문/그림/프레젠테이션1.pptx
+++ b/논문/그림/프레젠테이션1.pptx
@@ -7,6 +7,9 @@
   <p:sldIdLst>
     <p:sldId id="256" r:id="rId2"/>
     <p:sldId id="257" r:id="rId3"/>
+    <p:sldId id="258" r:id="rId4"/>
+    <p:sldId id="259" r:id="rId5"/>
+    <p:sldId id="260" r:id="rId6"/>
   </p:sldIdLst>
   <p:sldSz cx="12192000" cy="6858000"/>
   <p:notesSz cx="6858000" cy="9144000"/>
@@ -108,7 +111,7 @@
   <p:extLst>
     <p:ext uri="{EFAFB233-063F-42B5-8137-9DF3F51BA10A}">
       <p15:sldGuideLst xmlns:p15="http://schemas.microsoft.com/office/powerpoint/2012/main">
-        <p15:guide id="1" orient="horz" pos="2160" userDrawn="1">
+        <p15:guide id="1" orient="horz" pos="777" userDrawn="1">
           <p15:clr>
             <a:srgbClr val="A4A3A4"/>
           </p15:clr>
@@ -118,7 +121,17 @@
             <a:srgbClr val="A4A3A4"/>
           </p15:clr>
         </p15:guide>
-        <p15:guide id="3" pos="869" userDrawn="1">
+        <p15:guide id="3" orient="horz" pos="2183" userDrawn="1">
+          <p15:clr>
+            <a:srgbClr val="A4A3A4"/>
+          </p15:clr>
+        </p15:guide>
+        <p15:guide id="4" pos="2003" userDrawn="1">
+          <p15:clr>
+            <a:srgbClr val="A4A3A4"/>
+          </p15:clr>
+        </p15:guide>
+        <p15:guide id="5" pos="5178" userDrawn="1">
           <p15:clr>
             <a:srgbClr val="A4A3A4"/>
           </p15:clr>
@@ -278,7 +291,7 @@
           <a:p>
             <a:fld id="{F39DBC25-C0E5-6D4A-A844-D84C0DBD87A4}" type="datetimeFigureOut">
               <a:rPr kumimoji="1" lang="ko-Kore-GB" altLang="en-US" smtClean="0"/>
-              <a:t>10/08/2023</a:t>
+              <a:t>21/08/2023</a:t>
             </a:fld>
             <a:endParaRPr kumimoji="1" lang="ko-Kore-GB" altLang="en-US"/>
           </a:p>
@@ -478,7 +491,7 @@
           <a:p>
             <a:fld id="{F39DBC25-C0E5-6D4A-A844-D84C0DBD87A4}" type="datetimeFigureOut">
               <a:rPr kumimoji="1" lang="ko-Kore-GB" altLang="en-US" smtClean="0"/>
-              <a:t>10/08/2023</a:t>
+              <a:t>21/08/2023</a:t>
             </a:fld>
             <a:endParaRPr kumimoji="1" lang="ko-Kore-GB" altLang="en-US"/>
           </a:p>
@@ -688,7 +701,7 @@
           <a:p>
             <a:fld id="{F39DBC25-C0E5-6D4A-A844-D84C0DBD87A4}" type="datetimeFigureOut">
               <a:rPr kumimoji="1" lang="ko-Kore-GB" altLang="en-US" smtClean="0"/>
-              <a:t>10/08/2023</a:t>
+              <a:t>21/08/2023</a:t>
             </a:fld>
             <a:endParaRPr kumimoji="1" lang="ko-Kore-GB" altLang="en-US"/>
           </a:p>
@@ -888,7 +901,7 @@
           <a:p>
             <a:fld id="{F39DBC25-C0E5-6D4A-A844-D84C0DBD87A4}" type="datetimeFigureOut">
               <a:rPr kumimoji="1" lang="ko-Kore-GB" altLang="en-US" smtClean="0"/>
-              <a:t>10/08/2023</a:t>
+              <a:t>21/08/2023</a:t>
             </a:fld>
             <a:endParaRPr kumimoji="1" lang="ko-Kore-GB" altLang="en-US"/>
           </a:p>
@@ -1164,7 +1177,7 @@
           <a:p>
             <a:fld id="{F39DBC25-C0E5-6D4A-A844-D84C0DBD87A4}" type="datetimeFigureOut">
               <a:rPr kumimoji="1" lang="ko-Kore-GB" altLang="en-US" smtClean="0"/>
-              <a:t>10/08/2023</a:t>
+              <a:t>21/08/2023</a:t>
             </a:fld>
             <a:endParaRPr kumimoji="1" lang="ko-Kore-GB" altLang="en-US"/>
           </a:p>
@@ -1432,7 +1445,7 @@
           <a:p>
             <a:fld id="{F39DBC25-C0E5-6D4A-A844-D84C0DBD87A4}" type="datetimeFigureOut">
               <a:rPr kumimoji="1" lang="ko-Kore-GB" altLang="en-US" smtClean="0"/>
-              <a:t>10/08/2023</a:t>
+              <a:t>21/08/2023</a:t>
             </a:fld>
             <a:endParaRPr kumimoji="1" lang="ko-Kore-GB" altLang="en-US"/>
           </a:p>
@@ -1847,7 +1860,7 @@
           <a:p>
             <a:fld id="{F39DBC25-C0E5-6D4A-A844-D84C0DBD87A4}" type="datetimeFigureOut">
               <a:rPr kumimoji="1" lang="ko-Kore-GB" altLang="en-US" smtClean="0"/>
-              <a:t>10/08/2023</a:t>
+              <a:t>21/08/2023</a:t>
             </a:fld>
             <a:endParaRPr kumimoji="1" lang="ko-Kore-GB" altLang="en-US"/>
           </a:p>
@@ -1989,7 +2002,7 @@
           <a:p>
             <a:fld id="{F39DBC25-C0E5-6D4A-A844-D84C0DBD87A4}" type="datetimeFigureOut">
               <a:rPr kumimoji="1" lang="ko-Kore-GB" altLang="en-US" smtClean="0"/>
-              <a:t>10/08/2023</a:t>
+              <a:t>21/08/2023</a:t>
             </a:fld>
             <a:endParaRPr kumimoji="1" lang="ko-Kore-GB" altLang="en-US"/>
           </a:p>
@@ -2102,7 +2115,7 @@
           <a:p>
             <a:fld id="{F39DBC25-C0E5-6D4A-A844-D84C0DBD87A4}" type="datetimeFigureOut">
               <a:rPr kumimoji="1" lang="ko-Kore-GB" altLang="en-US" smtClean="0"/>
-              <a:t>10/08/2023</a:t>
+              <a:t>21/08/2023</a:t>
             </a:fld>
             <a:endParaRPr kumimoji="1" lang="ko-Kore-GB" altLang="en-US"/>
           </a:p>
@@ -2415,7 +2428,7 @@
           <a:p>
             <a:fld id="{F39DBC25-C0E5-6D4A-A844-D84C0DBD87A4}" type="datetimeFigureOut">
               <a:rPr kumimoji="1" lang="ko-Kore-GB" altLang="en-US" smtClean="0"/>
-              <a:t>10/08/2023</a:t>
+              <a:t>21/08/2023</a:t>
             </a:fld>
             <a:endParaRPr kumimoji="1" lang="ko-Kore-GB" altLang="en-US"/>
           </a:p>
@@ -2704,7 +2717,7 @@
           <a:p>
             <a:fld id="{F39DBC25-C0E5-6D4A-A844-D84C0DBD87A4}" type="datetimeFigureOut">
               <a:rPr kumimoji="1" lang="ko-Kore-GB" altLang="en-US" smtClean="0"/>
-              <a:t>10/08/2023</a:t>
+              <a:t>21/08/2023</a:t>
             </a:fld>
             <a:endParaRPr kumimoji="1" lang="ko-Kore-GB" altLang="en-US"/>
           </a:p>
@@ -2947,7 +2960,7 @@
           <a:p>
             <a:fld id="{F39DBC25-C0E5-6D4A-A844-D84C0DBD87A4}" type="datetimeFigureOut">
               <a:rPr kumimoji="1" lang="ko-Kore-GB" altLang="en-US" smtClean="0"/>
-              <a:t>10/08/2023</a:t>
+              <a:t>21/08/2023</a:t>
             </a:fld>
             <a:endParaRPr kumimoji="1" lang="ko-Kore-GB" altLang="en-US"/>
           </a:p>
@@ -5829,6 +5842,2788 @@
 </p:sld>
 </file>
 
+<file path=ppt/slides/slide3.xml><?xml version="1.0" encoding="utf-8"?>
+<p:sld xmlns:a="http://schemas.openxmlformats.org/drawingml/2006/main" xmlns:r="http://schemas.openxmlformats.org/officeDocument/2006/relationships" xmlns:p="http://schemas.openxmlformats.org/presentationml/2006/main">
+  <p:cSld>
+    <p:spTree>
+      <p:nvGrpSpPr>
+        <p:cNvPr id="1" name=""/>
+        <p:cNvGrpSpPr/>
+        <p:nvPr/>
+      </p:nvGrpSpPr>
+      <p:grpSpPr>
+        <a:xfrm>
+          <a:off x="0" y="0"/>
+          <a:ext cx="0" cy="0"/>
+          <a:chOff x="0" y="0"/>
+          <a:chExt cx="0" cy="0"/>
+        </a:xfrm>
+      </p:grpSpPr>
+      <p:pic>
+        <p:nvPicPr>
+          <p:cNvPr id="20" name="그림 19" descr="라인, 그래프, 도표, 텍스트이(가) 표시된 사진&#10;&#10;자동 생성된 설명">
+            <a:extLst>
+              <a:ext uri="{FF2B5EF4-FFF2-40B4-BE49-F238E27FC236}">
+                <a16:creationId xmlns:a16="http://schemas.microsoft.com/office/drawing/2014/main" id="{9859D1F2-1298-0D6A-97EA-9D565FC53BFA}"/>
+              </a:ext>
+            </a:extLst>
+          </p:cNvPr>
+          <p:cNvPicPr>
+            <a:picLocks noChangeAspect="1"/>
+          </p:cNvPicPr>
+          <p:nvPr/>
+        </p:nvPicPr>
+        <p:blipFill>
+          <a:blip r:embed="rId2"/>
+          <a:stretch>
+            <a:fillRect/>
+          </a:stretch>
+        </p:blipFill>
+        <p:spPr>
+          <a:xfrm>
+            <a:off x="3196244" y="1250463"/>
+            <a:ext cx="5044613" cy="2217510"/>
+          </a:xfrm>
+          <a:prstGeom prst="rect">
+            <a:avLst/>
+          </a:prstGeom>
+        </p:spPr>
+      </p:pic>
+      <p:sp>
+        <p:nvSpPr>
+          <p:cNvPr id="25" name="TextBox 24">
+            <a:extLst>
+              <a:ext uri="{FF2B5EF4-FFF2-40B4-BE49-F238E27FC236}">
+                <a16:creationId xmlns:a16="http://schemas.microsoft.com/office/drawing/2014/main" id="{0E31E0A9-71CB-DB55-57D1-A27C3A3E72F4}"/>
+              </a:ext>
+            </a:extLst>
+          </p:cNvPr>
+          <p:cNvSpPr txBox="1"/>
+          <p:nvPr/>
+        </p:nvSpPr>
+        <p:spPr>
+          <a:xfrm>
+            <a:off x="2987040" y="355600"/>
+            <a:ext cx="474810" cy="369332"/>
+          </a:xfrm>
+          <a:prstGeom prst="rect">
+            <a:avLst/>
+          </a:prstGeom>
+          <a:noFill/>
+        </p:spPr>
+        <p:txBody>
+          <a:bodyPr wrap="none" rtlCol="0">
+            <a:spAutoFit/>
+          </a:bodyPr>
+          <a:lstStyle/>
+          <a:p>
+            <a:r>
+              <a:rPr kumimoji="1" lang="en-US" altLang="ko-Kore-GB" dirty="0" err="1"/>
+              <a:t>Bw</a:t>
+            </a:r>
+            <a:endParaRPr kumimoji="1" lang="en-US" altLang="ko-Kore-GB" dirty="0"/>
+          </a:p>
+        </p:txBody>
+      </p:sp>
+      <p:grpSp>
+        <p:nvGrpSpPr>
+          <p:cNvPr id="35" name="그룹 34">
+            <a:extLst>
+              <a:ext uri="{FF2B5EF4-FFF2-40B4-BE49-F238E27FC236}">
+                <a16:creationId xmlns:a16="http://schemas.microsoft.com/office/drawing/2014/main" id="{6D1FF38D-0DE1-2EAB-80AD-DCEAFF3D96F6}"/>
+              </a:ext>
+            </a:extLst>
+          </p:cNvPr>
+          <p:cNvGrpSpPr/>
+          <p:nvPr/>
+        </p:nvGrpSpPr>
+        <p:grpSpPr>
+          <a:xfrm>
+            <a:off x="1109835" y="1226275"/>
+            <a:ext cx="1877205" cy="2102022"/>
+            <a:chOff x="6669197" y="1178456"/>
+            <a:chExt cx="1877205" cy="2102022"/>
+          </a:xfrm>
+        </p:grpSpPr>
+        <p:pic>
+          <p:nvPicPr>
+            <p:cNvPr id="36" name="그림 35" descr="스크린샷, 텍스트, 다채로움이(가) 표시된 사진&#10;&#10;자동 생성된 설명">
+              <a:extLst>
+                <a:ext uri="{FF2B5EF4-FFF2-40B4-BE49-F238E27FC236}">
+                  <a16:creationId xmlns:a16="http://schemas.microsoft.com/office/drawing/2014/main" id="{F5FDE4B1-C369-02A8-5FB9-527BB003CEB6}"/>
+                </a:ext>
+              </a:extLst>
+            </p:cNvPr>
+            <p:cNvPicPr>
+              <a:picLocks noChangeAspect="1"/>
+            </p:cNvPicPr>
+            <p:nvPr/>
+          </p:nvPicPr>
+          <p:blipFill rotWithShape="1">
+            <a:blip r:embed="rId3"/>
+            <a:srcRect r="66393"/>
+            <a:stretch/>
+          </p:blipFill>
+          <p:spPr>
+            <a:xfrm>
+              <a:off x="6669197" y="1497331"/>
+              <a:ext cx="381271" cy="1746985"/>
+            </a:xfrm>
+            <a:prstGeom prst="rect">
+              <a:avLst/>
+            </a:prstGeom>
+          </p:spPr>
+        </p:pic>
+        <p:pic>
+          <p:nvPicPr>
+            <p:cNvPr id="37" name="그림 36" descr="스크린샷, 텍스트, 다채로움이(가) 표시된 사진&#10;&#10;자동 생성된 설명">
+              <a:extLst>
+                <a:ext uri="{FF2B5EF4-FFF2-40B4-BE49-F238E27FC236}">
+                  <a16:creationId xmlns:a16="http://schemas.microsoft.com/office/drawing/2014/main" id="{6E1A9D40-AAC0-8C39-AC2C-DE04367A9A98}"/>
+                </a:ext>
+              </a:extLst>
+            </p:cNvPr>
+            <p:cNvPicPr>
+              <a:picLocks noChangeAspect="1"/>
+            </p:cNvPicPr>
+            <p:nvPr/>
+          </p:nvPicPr>
+          <p:blipFill rotWithShape="1">
+            <a:blip r:embed="rId3"/>
+            <a:srcRect l="60596"/>
+            <a:stretch/>
+          </p:blipFill>
+          <p:spPr>
+            <a:xfrm>
+              <a:off x="7050468" y="1497331"/>
+              <a:ext cx="447040" cy="1746985"/>
+            </a:xfrm>
+            <a:prstGeom prst="rect">
+              <a:avLst/>
+            </a:prstGeom>
+          </p:spPr>
+        </p:pic>
+        <p:pic>
+          <p:nvPicPr>
+            <p:cNvPr id="38" name="그림 37" descr="스크린샷, 텍스트, 다채로움이(가) 표시된 사진&#10;&#10;자동 생성된 설명">
+              <a:extLst>
+                <a:ext uri="{FF2B5EF4-FFF2-40B4-BE49-F238E27FC236}">
+                  <a16:creationId xmlns:a16="http://schemas.microsoft.com/office/drawing/2014/main" id="{0C2E15DF-7C33-A197-4E37-485476D347A5}"/>
+                </a:ext>
+              </a:extLst>
+            </p:cNvPr>
+            <p:cNvPicPr>
+              <a:picLocks noChangeAspect="1"/>
+            </p:cNvPicPr>
+            <p:nvPr/>
+          </p:nvPicPr>
+          <p:blipFill rotWithShape="1">
+            <a:blip r:embed="rId3"/>
+            <a:srcRect l="34379" r="26217"/>
+            <a:stretch/>
+          </p:blipFill>
+          <p:spPr>
+            <a:xfrm>
+              <a:off x="7497508" y="1497331"/>
+              <a:ext cx="1048894" cy="1746985"/>
+            </a:xfrm>
+            <a:prstGeom prst="rect">
+              <a:avLst/>
+            </a:prstGeom>
+          </p:spPr>
+        </p:pic>
+        <p:pic>
+          <p:nvPicPr>
+            <p:cNvPr id="39" name="그림 38" descr="스크린샷, 텍스트, 다채로움이(가) 표시된 사진&#10;&#10;자동 생성된 설명">
+              <a:extLst>
+                <a:ext uri="{FF2B5EF4-FFF2-40B4-BE49-F238E27FC236}">
+                  <a16:creationId xmlns:a16="http://schemas.microsoft.com/office/drawing/2014/main" id="{42C5265C-9E6D-089A-9E87-790FD63B28D2}"/>
+                </a:ext>
+              </a:extLst>
+            </p:cNvPr>
+            <p:cNvPicPr>
+              <a:picLocks noChangeAspect="1"/>
+            </p:cNvPicPr>
+            <p:nvPr/>
+          </p:nvPicPr>
+          <p:blipFill rotWithShape="1">
+            <a:blip r:embed="rId3"/>
+            <a:srcRect l="34379" t="14685" r="26217" b="82480"/>
+            <a:stretch/>
+          </p:blipFill>
+          <p:spPr>
+            <a:xfrm>
+              <a:off x="6669197" y="1447800"/>
+              <a:ext cx="1048894" cy="49530"/>
+            </a:xfrm>
+            <a:prstGeom prst="rect">
+              <a:avLst/>
+            </a:prstGeom>
+          </p:spPr>
+        </p:pic>
+        <p:pic>
+          <p:nvPicPr>
+            <p:cNvPr id="40" name="그림 39" descr="스크린샷, 텍스트, 다채로움이(가) 표시된 사진&#10;&#10;자동 생성된 설명">
+              <a:extLst>
+                <a:ext uri="{FF2B5EF4-FFF2-40B4-BE49-F238E27FC236}">
+                  <a16:creationId xmlns:a16="http://schemas.microsoft.com/office/drawing/2014/main" id="{9FC1B60D-C2C8-3F3E-6857-9BF4F788A1BC}"/>
+                </a:ext>
+              </a:extLst>
+            </p:cNvPr>
+            <p:cNvPicPr>
+              <a:picLocks noChangeAspect="1"/>
+            </p:cNvPicPr>
+            <p:nvPr/>
+          </p:nvPicPr>
+          <p:blipFill rotWithShape="1">
+            <a:blip r:embed="rId3"/>
+            <a:srcRect l="34379" t="14685" r="26217" b="82480"/>
+            <a:stretch/>
+          </p:blipFill>
+          <p:spPr>
+            <a:xfrm>
+              <a:off x="7497508" y="1447799"/>
+              <a:ext cx="1048894" cy="49530"/>
+            </a:xfrm>
+            <a:prstGeom prst="rect">
+              <a:avLst/>
+            </a:prstGeom>
+          </p:spPr>
+        </p:pic>
+        <p:pic>
+          <p:nvPicPr>
+            <p:cNvPr id="41" name="그림 40" descr="스크린샷, 텍스트, 다채로움이(가) 표시된 사진&#10;&#10;자동 생성된 설명">
+              <a:extLst>
+                <a:ext uri="{FF2B5EF4-FFF2-40B4-BE49-F238E27FC236}">
+                  <a16:creationId xmlns:a16="http://schemas.microsoft.com/office/drawing/2014/main" id="{49D69451-8C96-0ACA-C5C8-A6FE54B3BFE6}"/>
+                </a:ext>
+              </a:extLst>
+            </p:cNvPr>
+            <p:cNvPicPr>
+              <a:picLocks noChangeAspect="1"/>
+            </p:cNvPicPr>
+            <p:nvPr/>
+          </p:nvPicPr>
+          <p:blipFill rotWithShape="1">
+            <a:blip r:embed="rId3"/>
+            <a:srcRect l="34379" t="14685" r="26217" b="82480"/>
+            <a:stretch/>
+          </p:blipFill>
+          <p:spPr>
+            <a:xfrm>
+              <a:off x="6669197" y="3230948"/>
+              <a:ext cx="1048894" cy="49530"/>
+            </a:xfrm>
+            <a:prstGeom prst="rect">
+              <a:avLst/>
+            </a:prstGeom>
+          </p:spPr>
+        </p:pic>
+        <p:pic>
+          <p:nvPicPr>
+            <p:cNvPr id="42" name="그림 41" descr="스크린샷, 텍스트, 다채로움이(가) 표시된 사진&#10;&#10;자동 생성된 설명">
+              <a:extLst>
+                <a:ext uri="{FF2B5EF4-FFF2-40B4-BE49-F238E27FC236}">
+                  <a16:creationId xmlns:a16="http://schemas.microsoft.com/office/drawing/2014/main" id="{FD6A03CF-ADF8-23C7-D1F7-1D34242F4BDD}"/>
+                </a:ext>
+              </a:extLst>
+            </p:cNvPr>
+            <p:cNvPicPr>
+              <a:picLocks noChangeAspect="1"/>
+            </p:cNvPicPr>
+            <p:nvPr/>
+          </p:nvPicPr>
+          <p:blipFill rotWithShape="1">
+            <a:blip r:embed="rId3"/>
+            <a:srcRect l="34379" t="14685" r="26217" b="82480"/>
+            <a:stretch/>
+          </p:blipFill>
+          <p:spPr>
+            <a:xfrm>
+              <a:off x="7497508" y="3230947"/>
+              <a:ext cx="1048894" cy="49530"/>
+            </a:xfrm>
+            <a:prstGeom prst="rect">
+              <a:avLst/>
+            </a:prstGeom>
+          </p:spPr>
+        </p:pic>
+        <p:sp>
+          <p:nvSpPr>
+            <p:cNvPr id="43" name="TextBox 42">
+              <a:extLst>
+                <a:ext uri="{FF2B5EF4-FFF2-40B4-BE49-F238E27FC236}">
+                  <a16:creationId xmlns:a16="http://schemas.microsoft.com/office/drawing/2014/main" id="{DD8C339A-9D01-6153-7F58-786B32EB4F0D}"/>
+                </a:ext>
+              </a:extLst>
+            </p:cNvPr>
+            <p:cNvSpPr txBox="1"/>
+            <p:nvPr/>
+          </p:nvSpPr>
+          <p:spPr>
+            <a:xfrm>
+              <a:off x="7513784" y="1178456"/>
+              <a:ext cx="447559" cy="307777"/>
+            </a:xfrm>
+            <a:prstGeom prst="rect">
+              <a:avLst/>
+            </a:prstGeom>
+            <a:noFill/>
+          </p:spPr>
+          <p:txBody>
+            <a:bodyPr wrap="none" rtlCol="0">
+              <a:spAutoFit/>
+            </a:bodyPr>
+            <a:lstStyle/>
+            <a:p>
+              <a:pPr algn="ctr"/>
+              <a:r>
+                <a:rPr kumimoji="1" lang="en-US" altLang="ko-Kore-GB" sz="700" dirty="0">
+                  <a:ea typeface="Gulim" panose="020B0600000101010101" pitchFamily="34" charset="-127"/>
+                </a:rPr>
+                <a:t>Mean</a:t>
+              </a:r>
+            </a:p>
+            <a:p>
+              <a:pPr algn="ctr"/>
+              <a:r>
+                <a:rPr kumimoji="1" lang="en-US" altLang="ko-Kore-GB" sz="700" dirty="0">
+                  <a:ea typeface="Gulim" panose="020B0600000101010101" pitchFamily="34" charset="-127"/>
+                </a:rPr>
+                <a:t>reward</a:t>
+              </a:r>
+              <a:endParaRPr kumimoji="1" lang="ko-Kore-GB" altLang="en-US" sz="700" dirty="0">
+                <a:ea typeface="Gulim" panose="020B0600000101010101" pitchFamily="34" charset="-127"/>
+              </a:endParaRPr>
+            </a:p>
+          </p:txBody>
+        </p:sp>
+        <p:sp>
+          <p:nvSpPr>
+            <p:cNvPr id="44" name="TextBox 43">
+              <a:extLst>
+                <a:ext uri="{FF2B5EF4-FFF2-40B4-BE49-F238E27FC236}">
+                  <a16:creationId xmlns:a16="http://schemas.microsoft.com/office/drawing/2014/main" id="{0E19281B-C3CC-EA91-4793-E8DE7547FCBE}"/>
+                </a:ext>
+              </a:extLst>
+            </p:cNvPr>
+            <p:cNvSpPr txBox="1"/>
+            <p:nvPr/>
+          </p:nvSpPr>
+          <p:spPr>
+            <a:xfrm>
+              <a:off x="8045395" y="1178456"/>
+              <a:ext cx="498855" cy="307777"/>
+            </a:xfrm>
+            <a:prstGeom prst="rect">
+              <a:avLst/>
+            </a:prstGeom>
+            <a:noFill/>
+          </p:spPr>
+          <p:txBody>
+            <a:bodyPr wrap="none" rtlCol="0">
+              <a:spAutoFit/>
+            </a:bodyPr>
+            <a:lstStyle/>
+            <a:p>
+              <a:pPr algn="ctr"/>
+              <a:r>
+                <a:rPr kumimoji="1" lang="en-US" altLang="ko-Kore-GB" sz="700" dirty="0"/>
+                <a:t>Learning</a:t>
+              </a:r>
+            </a:p>
+            <a:p>
+              <a:pPr algn="ctr"/>
+              <a:r>
+                <a:rPr kumimoji="1" lang="en-US" altLang="ko-Kore-GB" sz="700" dirty="0"/>
+                <a:t>time</a:t>
+              </a:r>
+              <a:endParaRPr kumimoji="1" lang="ko-Kore-GB" altLang="en-US" sz="700" dirty="0"/>
+            </a:p>
+          </p:txBody>
+        </p:sp>
+      </p:grpSp>
+      <p:sp>
+        <p:nvSpPr>
+          <p:cNvPr id="45" name="TextBox 44">
+            <a:extLst>
+              <a:ext uri="{FF2B5EF4-FFF2-40B4-BE49-F238E27FC236}">
+                <a16:creationId xmlns:a16="http://schemas.microsoft.com/office/drawing/2014/main" id="{01690D61-D359-E736-A58E-01C2E25792D4}"/>
+              </a:ext>
+            </a:extLst>
+          </p:cNvPr>
+          <p:cNvSpPr txBox="1"/>
+          <p:nvPr/>
+        </p:nvSpPr>
+        <p:spPr>
+          <a:xfrm>
+            <a:off x="2011424" y="1566139"/>
+            <a:ext cx="301686" cy="200055"/>
+          </a:xfrm>
+          <a:prstGeom prst="rect">
+            <a:avLst/>
+          </a:prstGeom>
+          <a:noFill/>
+        </p:spPr>
+        <p:txBody>
+          <a:bodyPr wrap="none" rtlCol="0">
+            <a:spAutoFit/>
+          </a:bodyPr>
+          <a:lstStyle/>
+          <a:p>
+            <a:pPr algn="ctr"/>
+            <a:r>
+              <a:rPr kumimoji="1" lang="en-US" altLang="ko-KR" sz="700" dirty="0">
+                <a:ea typeface="Gulim" panose="020B0600000101010101" pitchFamily="34" charset="-127"/>
+              </a:rPr>
+              <a:t>-21</a:t>
+            </a:r>
+            <a:endParaRPr kumimoji="1" lang="ko-Kore-GB" altLang="en-US" sz="700" dirty="0">
+              <a:ea typeface="Gulim" panose="020B0600000101010101" pitchFamily="34" charset="-127"/>
+            </a:endParaRPr>
+          </a:p>
+        </p:txBody>
+      </p:sp>
+      <p:sp>
+        <p:nvSpPr>
+          <p:cNvPr id="46" name="TextBox 45">
+            <a:extLst>
+              <a:ext uri="{FF2B5EF4-FFF2-40B4-BE49-F238E27FC236}">
+                <a16:creationId xmlns:a16="http://schemas.microsoft.com/office/drawing/2014/main" id="{1CF3F31C-4622-7607-CEFD-1E6233CCE768}"/>
+              </a:ext>
+            </a:extLst>
+          </p:cNvPr>
+          <p:cNvSpPr txBox="1"/>
+          <p:nvPr/>
+        </p:nvSpPr>
+        <p:spPr>
+          <a:xfrm>
+            <a:off x="1988982" y="1864630"/>
+            <a:ext cx="346570" cy="200055"/>
+          </a:xfrm>
+          <a:prstGeom prst="rect">
+            <a:avLst/>
+          </a:prstGeom>
+          <a:noFill/>
+        </p:spPr>
+        <p:txBody>
+          <a:bodyPr wrap="none" rtlCol="0">
+            <a:spAutoFit/>
+          </a:bodyPr>
+          <a:lstStyle/>
+          <a:p>
+            <a:pPr algn="ctr"/>
+            <a:r>
+              <a:rPr kumimoji="1" lang="en-US" altLang="ko-KR" sz="700" dirty="0">
+                <a:ea typeface="Gulim" panose="020B0600000101010101" pitchFamily="34" charset="-127"/>
+              </a:rPr>
+              <a:t>-355</a:t>
+            </a:r>
+            <a:endParaRPr kumimoji="1" lang="ko-Kore-GB" altLang="en-US" sz="700" dirty="0">
+              <a:ea typeface="Gulim" panose="020B0600000101010101" pitchFamily="34" charset="-127"/>
+            </a:endParaRPr>
+          </a:p>
+        </p:txBody>
+      </p:sp>
+      <p:sp>
+        <p:nvSpPr>
+          <p:cNvPr id="47" name="TextBox 46">
+            <a:extLst>
+              <a:ext uri="{FF2B5EF4-FFF2-40B4-BE49-F238E27FC236}">
+                <a16:creationId xmlns:a16="http://schemas.microsoft.com/office/drawing/2014/main" id="{643EBD2A-DF20-BB5A-7453-BBDCDC3AF269}"/>
+              </a:ext>
+            </a:extLst>
+          </p:cNvPr>
+          <p:cNvSpPr txBox="1"/>
+          <p:nvPr/>
+        </p:nvSpPr>
+        <p:spPr>
+          <a:xfrm>
+            <a:off x="1988982" y="2163121"/>
+            <a:ext cx="346570" cy="200055"/>
+          </a:xfrm>
+          <a:prstGeom prst="rect">
+            <a:avLst/>
+          </a:prstGeom>
+          <a:noFill/>
+        </p:spPr>
+        <p:txBody>
+          <a:bodyPr wrap="none" rtlCol="0">
+            <a:spAutoFit/>
+          </a:bodyPr>
+          <a:lstStyle/>
+          <a:p>
+            <a:pPr algn="ctr"/>
+            <a:r>
+              <a:rPr kumimoji="1" lang="en-US" altLang="ko-KR" sz="700" dirty="0">
+                <a:ea typeface="Gulim" panose="020B0600000101010101" pitchFamily="34" charset="-127"/>
+              </a:rPr>
+              <a:t>-337</a:t>
+            </a:r>
+            <a:endParaRPr kumimoji="1" lang="ko-Kore-GB" altLang="en-US" sz="700" dirty="0">
+              <a:ea typeface="Gulim" panose="020B0600000101010101" pitchFamily="34" charset="-127"/>
+            </a:endParaRPr>
+          </a:p>
+        </p:txBody>
+      </p:sp>
+      <p:sp>
+        <p:nvSpPr>
+          <p:cNvPr id="48" name="TextBox 47">
+            <a:extLst>
+              <a:ext uri="{FF2B5EF4-FFF2-40B4-BE49-F238E27FC236}">
+                <a16:creationId xmlns:a16="http://schemas.microsoft.com/office/drawing/2014/main" id="{3BF5B043-3D07-C26D-F4C5-35871030454F}"/>
+              </a:ext>
+            </a:extLst>
+          </p:cNvPr>
+          <p:cNvSpPr txBox="1"/>
+          <p:nvPr/>
+        </p:nvSpPr>
+        <p:spPr>
+          <a:xfrm>
+            <a:off x="2011424" y="2461612"/>
+            <a:ext cx="301686" cy="200055"/>
+          </a:xfrm>
+          <a:prstGeom prst="rect">
+            <a:avLst/>
+          </a:prstGeom>
+          <a:noFill/>
+        </p:spPr>
+        <p:txBody>
+          <a:bodyPr wrap="none" rtlCol="0">
+            <a:spAutoFit/>
+          </a:bodyPr>
+          <a:lstStyle/>
+          <a:p>
+            <a:pPr algn="ctr"/>
+            <a:r>
+              <a:rPr kumimoji="1" lang="en-US" altLang="ko-KR" sz="700" dirty="0">
+                <a:ea typeface="Gulim" panose="020B0600000101010101" pitchFamily="34" charset="-127"/>
+              </a:rPr>
+              <a:t>-46</a:t>
+            </a:r>
+            <a:endParaRPr kumimoji="1" lang="ko-Kore-GB" altLang="en-US" sz="700" dirty="0">
+              <a:ea typeface="Gulim" panose="020B0600000101010101" pitchFamily="34" charset="-127"/>
+            </a:endParaRPr>
+          </a:p>
+        </p:txBody>
+      </p:sp>
+      <p:sp>
+        <p:nvSpPr>
+          <p:cNvPr id="49" name="TextBox 48">
+            <a:extLst>
+              <a:ext uri="{FF2B5EF4-FFF2-40B4-BE49-F238E27FC236}">
+                <a16:creationId xmlns:a16="http://schemas.microsoft.com/office/drawing/2014/main" id="{9E41A83B-6F5B-D80F-88E5-F11EE4218E25}"/>
+              </a:ext>
+            </a:extLst>
+          </p:cNvPr>
+          <p:cNvSpPr txBox="1"/>
+          <p:nvPr/>
+        </p:nvSpPr>
+        <p:spPr>
+          <a:xfrm>
+            <a:off x="2011423" y="2760103"/>
+            <a:ext cx="301686" cy="200055"/>
+          </a:xfrm>
+          <a:prstGeom prst="rect">
+            <a:avLst/>
+          </a:prstGeom>
+          <a:noFill/>
+        </p:spPr>
+        <p:txBody>
+          <a:bodyPr wrap="none" rtlCol="0">
+            <a:spAutoFit/>
+          </a:bodyPr>
+          <a:lstStyle/>
+          <a:p>
+            <a:pPr algn="ctr"/>
+            <a:r>
+              <a:rPr kumimoji="1" lang="en-US" altLang="ko-KR" sz="700" dirty="0">
+                <a:ea typeface="Gulim" panose="020B0600000101010101" pitchFamily="34" charset="-127"/>
+              </a:rPr>
+              <a:t>-32</a:t>
+            </a:r>
+            <a:endParaRPr kumimoji="1" lang="ko-Kore-GB" altLang="en-US" sz="700" dirty="0">
+              <a:ea typeface="Gulim" panose="020B0600000101010101" pitchFamily="34" charset="-127"/>
+            </a:endParaRPr>
+          </a:p>
+        </p:txBody>
+      </p:sp>
+      <p:sp>
+        <p:nvSpPr>
+          <p:cNvPr id="50" name="TextBox 49">
+            <a:extLst>
+              <a:ext uri="{FF2B5EF4-FFF2-40B4-BE49-F238E27FC236}">
+                <a16:creationId xmlns:a16="http://schemas.microsoft.com/office/drawing/2014/main" id="{81128D84-09B8-3925-4F26-EA76B2371398}"/>
+              </a:ext>
+            </a:extLst>
+          </p:cNvPr>
+          <p:cNvSpPr txBox="1"/>
+          <p:nvPr/>
+        </p:nvSpPr>
+        <p:spPr>
+          <a:xfrm>
+            <a:off x="1988982" y="3058594"/>
+            <a:ext cx="346570" cy="200055"/>
+          </a:xfrm>
+          <a:prstGeom prst="rect">
+            <a:avLst/>
+          </a:prstGeom>
+          <a:noFill/>
+        </p:spPr>
+        <p:txBody>
+          <a:bodyPr wrap="none" rtlCol="0">
+            <a:spAutoFit/>
+          </a:bodyPr>
+          <a:lstStyle/>
+          <a:p>
+            <a:pPr algn="ctr"/>
+            <a:r>
+              <a:rPr kumimoji="1" lang="en-US" altLang="ko-KR" sz="700" dirty="0">
+                <a:ea typeface="Gulim" panose="020B0600000101010101" pitchFamily="34" charset="-127"/>
+              </a:rPr>
+              <a:t>-352</a:t>
+            </a:r>
+            <a:endParaRPr kumimoji="1" lang="ko-Kore-GB" altLang="en-US" sz="700" dirty="0">
+              <a:ea typeface="Gulim" panose="020B0600000101010101" pitchFamily="34" charset="-127"/>
+            </a:endParaRPr>
+          </a:p>
+        </p:txBody>
+      </p:sp>
+      <p:sp>
+        <p:nvSpPr>
+          <p:cNvPr id="51" name="TextBox 50">
+            <a:extLst>
+              <a:ext uri="{FF2B5EF4-FFF2-40B4-BE49-F238E27FC236}">
+                <a16:creationId xmlns:a16="http://schemas.microsoft.com/office/drawing/2014/main" id="{ABD447E0-59D5-6463-E79C-6FB13527AF51}"/>
+              </a:ext>
+            </a:extLst>
+          </p:cNvPr>
+          <p:cNvSpPr txBox="1"/>
+          <p:nvPr/>
+        </p:nvSpPr>
+        <p:spPr>
+          <a:xfrm>
+            <a:off x="2574253" y="1564936"/>
+            <a:ext cx="322525" cy="200055"/>
+          </a:xfrm>
+          <a:prstGeom prst="rect">
+            <a:avLst/>
+          </a:prstGeom>
+          <a:noFill/>
+        </p:spPr>
+        <p:txBody>
+          <a:bodyPr wrap="none" rtlCol="0">
+            <a:spAutoFit/>
+          </a:bodyPr>
+          <a:lstStyle/>
+          <a:p>
+            <a:pPr algn="ctr"/>
+            <a:r>
+              <a:rPr kumimoji="1" lang="en-US" altLang="ko-KR" sz="700" dirty="0">
+                <a:ea typeface="Gulim" panose="020B0600000101010101" pitchFamily="34" charset="-127"/>
+              </a:rPr>
+              <a:t>7</a:t>
+            </a:r>
+            <a:r>
+              <a:rPr kumimoji="1" lang="ko-KR" altLang="en-US" sz="700" dirty="0">
+                <a:ea typeface="Gulim" panose="020B0600000101010101" pitchFamily="34" charset="-127"/>
+              </a:rPr>
+              <a:t> </a:t>
+            </a:r>
+            <a:r>
+              <a:rPr kumimoji="1" lang="en-US" altLang="ko-KR" sz="700" dirty="0">
+                <a:ea typeface="Gulim" panose="020B0600000101010101" pitchFamily="34" charset="-127"/>
+              </a:rPr>
+              <a:t>m</a:t>
+            </a:r>
+            <a:endParaRPr kumimoji="1" lang="ko-Kore-GB" altLang="en-US" sz="700" dirty="0">
+              <a:ea typeface="Gulim" panose="020B0600000101010101" pitchFamily="34" charset="-127"/>
+            </a:endParaRPr>
+          </a:p>
+        </p:txBody>
+      </p:sp>
+      <p:sp>
+        <p:nvSpPr>
+          <p:cNvPr id="52" name="TextBox 51">
+            <a:extLst>
+              <a:ext uri="{FF2B5EF4-FFF2-40B4-BE49-F238E27FC236}">
+                <a16:creationId xmlns:a16="http://schemas.microsoft.com/office/drawing/2014/main" id="{48D7F161-14B3-A254-756E-BC781E7F32DC}"/>
+              </a:ext>
+            </a:extLst>
+          </p:cNvPr>
+          <p:cNvSpPr txBox="1"/>
+          <p:nvPr/>
+        </p:nvSpPr>
+        <p:spPr>
+          <a:xfrm>
+            <a:off x="2574253" y="1863427"/>
+            <a:ext cx="322524" cy="200055"/>
+          </a:xfrm>
+          <a:prstGeom prst="rect">
+            <a:avLst/>
+          </a:prstGeom>
+          <a:noFill/>
+        </p:spPr>
+        <p:txBody>
+          <a:bodyPr wrap="none" rtlCol="0">
+            <a:spAutoFit/>
+          </a:bodyPr>
+          <a:lstStyle/>
+          <a:p>
+            <a:pPr algn="ctr"/>
+            <a:r>
+              <a:rPr kumimoji="1" lang="en-US" altLang="ko-KR" sz="700" dirty="0">
+                <a:ea typeface="Gulim" panose="020B0600000101010101" pitchFamily="34" charset="-127"/>
+              </a:rPr>
+              <a:t>2 m</a:t>
+            </a:r>
+            <a:endParaRPr kumimoji="1" lang="ko-Kore-GB" altLang="en-US" sz="700" dirty="0">
+              <a:ea typeface="Gulim" panose="020B0600000101010101" pitchFamily="34" charset="-127"/>
+            </a:endParaRPr>
+          </a:p>
+        </p:txBody>
+      </p:sp>
+      <p:sp>
+        <p:nvSpPr>
+          <p:cNvPr id="53" name="TextBox 52">
+            <a:extLst>
+              <a:ext uri="{FF2B5EF4-FFF2-40B4-BE49-F238E27FC236}">
+                <a16:creationId xmlns:a16="http://schemas.microsoft.com/office/drawing/2014/main" id="{A3802BC4-1ABC-079C-78AF-36357EC0AD8C}"/>
+              </a:ext>
+            </a:extLst>
+          </p:cNvPr>
+          <p:cNvSpPr txBox="1"/>
+          <p:nvPr/>
+        </p:nvSpPr>
+        <p:spPr>
+          <a:xfrm>
+            <a:off x="2553415" y="2161918"/>
+            <a:ext cx="364203" cy="200055"/>
+          </a:xfrm>
+          <a:prstGeom prst="rect">
+            <a:avLst/>
+          </a:prstGeom>
+          <a:noFill/>
+        </p:spPr>
+        <p:txBody>
+          <a:bodyPr wrap="none" rtlCol="0">
+            <a:spAutoFit/>
+          </a:bodyPr>
+          <a:lstStyle/>
+          <a:p>
+            <a:pPr algn="ctr"/>
+            <a:r>
+              <a:rPr kumimoji="1" lang="en-US" altLang="ko-KR" sz="700" dirty="0">
+                <a:ea typeface="Gulim" panose="020B0600000101010101" pitchFamily="34" charset="-127"/>
+              </a:rPr>
+              <a:t>2.5</a:t>
+            </a:r>
+            <a:r>
+              <a:rPr kumimoji="1" lang="en-US" altLang="ko-Kore-GB" sz="700" dirty="0">
+                <a:ea typeface="Gulim" panose="020B0600000101010101" pitchFamily="34" charset="-127"/>
+              </a:rPr>
+              <a:t> h</a:t>
+            </a:r>
+            <a:endParaRPr kumimoji="1" lang="ko-Kore-GB" altLang="en-US" sz="700" dirty="0">
+              <a:ea typeface="Gulim" panose="020B0600000101010101" pitchFamily="34" charset="-127"/>
+            </a:endParaRPr>
+          </a:p>
+        </p:txBody>
+      </p:sp>
+      <p:sp>
+        <p:nvSpPr>
+          <p:cNvPr id="54" name="TextBox 53">
+            <a:extLst>
+              <a:ext uri="{FF2B5EF4-FFF2-40B4-BE49-F238E27FC236}">
+                <a16:creationId xmlns:a16="http://schemas.microsoft.com/office/drawing/2014/main" id="{C91E4DB0-0CC3-34CC-60EC-71657A45DA84}"/>
+              </a:ext>
+            </a:extLst>
+          </p:cNvPr>
+          <p:cNvSpPr txBox="1"/>
+          <p:nvPr/>
+        </p:nvSpPr>
+        <p:spPr>
+          <a:xfrm>
+            <a:off x="2587078" y="2460409"/>
+            <a:ext cx="296876" cy="200055"/>
+          </a:xfrm>
+          <a:prstGeom prst="rect">
+            <a:avLst/>
+          </a:prstGeom>
+          <a:noFill/>
+        </p:spPr>
+        <p:txBody>
+          <a:bodyPr wrap="none" rtlCol="0">
+            <a:spAutoFit/>
+          </a:bodyPr>
+          <a:lstStyle/>
+          <a:p>
+            <a:pPr algn="ctr"/>
+            <a:r>
+              <a:rPr kumimoji="1" lang="en-US" altLang="ko-Kore-GB" sz="700" dirty="0">
+                <a:ea typeface="Gulim" panose="020B0600000101010101" pitchFamily="34" charset="-127"/>
+              </a:rPr>
+              <a:t>1 h</a:t>
+            </a:r>
+            <a:endParaRPr kumimoji="1" lang="ko-Kore-GB" altLang="en-US" sz="700" dirty="0">
+              <a:ea typeface="Gulim" panose="020B0600000101010101" pitchFamily="34" charset="-127"/>
+            </a:endParaRPr>
+          </a:p>
+        </p:txBody>
+      </p:sp>
+      <p:sp>
+        <p:nvSpPr>
+          <p:cNvPr id="55" name="TextBox 54">
+            <a:extLst>
+              <a:ext uri="{FF2B5EF4-FFF2-40B4-BE49-F238E27FC236}">
+                <a16:creationId xmlns:a16="http://schemas.microsoft.com/office/drawing/2014/main" id="{B8618AAE-6301-3ABF-B621-A9D08DB6BAD8}"/>
+              </a:ext>
+            </a:extLst>
+          </p:cNvPr>
+          <p:cNvSpPr txBox="1"/>
+          <p:nvPr/>
+        </p:nvSpPr>
+        <p:spPr>
+          <a:xfrm>
+            <a:off x="2530974" y="2758900"/>
+            <a:ext cx="409087" cy="200055"/>
+          </a:xfrm>
+          <a:prstGeom prst="rect">
+            <a:avLst/>
+          </a:prstGeom>
+          <a:noFill/>
+        </p:spPr>
+        <p:txBody>
+          <a:bodyPr wrap="none" rtlCol="0">
+            <a:spAutoFit/>
+          </a:bodyPr>
+          <a:lstStyle/>
+          <a:p>
+            <a:pPr algn="ctr"/>
+            <a:r>
+              <a:rPr kumimoji="1" lang="en-US" altLang="ko-KR" sz="700" dirty="0">
+                <a:ea typeface="Gulim" panose="020B0600000101010101" pitchFamily="34" charset="-127"/>
+              </a:rPr>
+              <a:t>16.9</a:t>
+            </a:r>
+            <a:r>
+              <a:rPr kumimoji="1" lang="en-US" altLang="ko-Kore-GB" sz="700" dirty="0">
+                <a:ea typeface="Gulim" panose="020B0600000101010101" pitchFamily="34" charset="-127"/>
+              </a:rPr>
+              <a:t> h</a:t>
+            </a:r>
+            <a:endParaRPr kumimoji="1" lang="ko-Kore-GB" altLang="en-US" sz="700" dirty="0">
+              <a:ea typeface="Gulim" panose="020B0600000101010101" pitchFamily="34" charset="-127"/>
+            </a:endParaRPr>
+          </a:p>
+        </p:txBody>
+      </p:sp>
+      <p:sp>
+        <p:nvSpPr>
+          <p:cNvPr id="56" name="TextBox 55">
+            <a:extLst>
+              <a:ext uri="{FF2B5EF4-FFF2-40B4-BE49-F238E27FC236}">
+                <a16:creationId xmlns:a16="http://schemas.microsoft.com/office/drawing/2014/main" id="{AEA7586C-4810-58C5-54D3-D1312BED8BFE}"/>
+              </a:ext>
+            </a:extLst>
+          </p:cNvPr>
+          <p:cNvSpPr txBox="1"/>
+          <p:nvPr/>
+        </p:nvSpPr>
+        <p:spPr>
+          <a:xfrm>
+            <a:off x="2574253" y="3057391"/>
+            <a:ext cx="322524" cy="200055"/>
+          </a:xfrm>
+          <a:prstGeom prst="rect">
+            <a:avLst/>
+          </a:prstGeom>
+          <a:noFill/>
+        </p:spPr>
+        <p:txBody>
+          <a:bodyPr wrap="none" rtlCol="0">
+            <a:spAutoFit/>
+          </a:bodyPr>
+          <a:lstStyle/>
+          <a:p>
+            <a:pPr algn="ctr"/>
+            <a:r>
+              <a:rPr kumimoji="1" lang="en-US" altLang="ko-Kore-GB" sz="700" dirty="0">
+                <a:ea typeface="Gulim" panose="020B0600000101010101" pitchFamily="34" charset="-127"/>
+              </a:rPr>
+              <a:t>4 m</a:t>
+            </a:r>
+            <a:endParaRPr kumimoji="1" lang="ko-Kore-GB" altLang="en-US" sz="700" dirty="0">
+              <a:ea typeface="Gulim" panose="020B0600000101010101" pitchFamily="34" charset="-127"/>
+            </a:endParaRPr>
+          </a:p>
+        </p:txBody>
+      </p:sp>
+    </p:spTree>
+    <p:extLst>
+      <p:ext uri="{BB962C8B-B14F-4D97-AF65-F5344CB8AC3E}">
+        <p14:creationId xmlns:p14="http://schemas.microsoft.com/office/powerpoint/2010/main" val="1305028787"/>
+      </p:ext>
+    </p:extLst>
+  </p:cSld>
+  <p:clrMapOvr>
+    <a:masterClrMapping/>
+  </p:clrMapOvr>
+</p:sld>
+</file>
+
+<file path=ppt/slides/slide4.xml><?xml version="1.0" encoding="utf-8"?>
+<p:sld xmlns:a="http://schemas.openxmlformats.org/drawingml/2006/main" xmlns:r="http://schemas.openxmlformats.org/officeDocument/2006/relationships" xmlns:p="http://schemas.openxmlformats.org/presentationml/2006/main">
+  <p:cSld>
+    <p:spTree>
+      <p:nvGrpSpPr>
+        <p:cNvPr id="1" name=""/>
+        <p:cNvGrpSpPr/>
+        <p:nvPr/>
+      </p:nvGrpSpPr>
+      <p:grpSpPr>
+        <a:xfrm>
+          <a:off x="0" y="0"/>
+          <a:ext cx="0" cy="0"/>
+          <a:chOff x="0" y="0"/>
+          <a:chExt cx="0" cy="0"/>
+        </a:xfrm>
+      </p:grpSpPr>
+      <p:sp>
+        <p:nvSpPr>
+          <p:cNvPr id="25" name="TextBox 24">
+            <a:extLst>
+              <a:ext uri="{FF2B5EF4-FFF2-40B4-BE49-F238E27FC236}">
+                <a16:creationId xmlns:a16="http://schemas.microsoft.com/office/drawing/2014/main" id="{0E31E0A9-71CB-DB55-57D1-A27C3A3E72F4}"/>
+              </a:ext>
+            </a:extLst>
+          </p:cNvPr>
+          <p:cNvSpPr txBox="1"/>
+          <p:nvPr/>
+        </p:nvSpPr>
+        <p:spPr>
+          <a:xfrm>
+            <a:off x="2987040" y="355600"/>
+            <a:ext cx="685380" cy="369332"/>
+          </a:xfrm>
+          <a:prstGeom prst="rect">
+            <a:avLst/>
+          </a:prstGeom>
+          <a:noFill/>
+        </p:spPr>
+        <p:txBody>
+          <a:bodyPr wrap="none" rtlCol="0">
+            <a:spAutoFit/>
+          </a:bodyPr>
+          <a:lstStyle/>
+          <a:p>
+            <a:r>
+              <a:rPr kumimoji="1" lang="en-US" altLang="ko-Kore-GB" dirty="0"/>
+              <a:t>Front</a:t>
+            </a:r>
+          </a:p>
+        </p:txBody>
+      </p:sp>
+      <p:pic>
+        <p:nvPicPr>
+          <p:cNvPr id="3" name="그림 2" descr="라인, 그래프, 도표, 경사이(가) 표시된 사진&#10;&#10;자동 생성된 설명">
+            <a:extLst>
+              <a:ext uri="{FF2B5EF4-FFF2-40B4-BE49-F238E27FC236}">
+                <a16:creationId xmlns:a16="http://schemas.microsoft.com/office/drawing/2014/main" id="{211AD249-55D3-CFD4-B203-BD28DBCAEAFF}"/>
+              </a:ext>
+            </a:extLst>
+          </p:cNvPr>
+          <p:cNvPicPr>
+            <a:picLocks noChangeAspect="1"/>
+          </p:cNvPicPr>
+          <p:nvPr/>
+        </p:nvPicPr>
+        <p:blipFill>
+          <a:blip r:embed="rId2"/>
+          <a:stretch>
+            <a:fillRect/>
+          </a:stretch>
+        </p:blipFill>
+        <p:spPr>
+          <a:xfrm>
+            <a:off x="3179763" y="1226275"/>
+            <a:ext cx="5094044" cy="2239238"/>
+          </a:xfrm>
+          <a:prstGeom prst="rect">
+            <a:avLst/>
+          </a:prstGeom>
+        </p:spPr>
+      </p:pic>
+      <p:grpSp>
+        <p:nvGrpSpPr>
+          <p:cNvPr id="32" name="그룹 31">
+            <a:extLst>
+              <a:ext uri="{FF2B5EF4-FFF2-40B4-BE49-F238E27FC236}">
+                <a16:creationId xmlns:a16="http://schemas.microsoft.com/office/drawing/2014/main" id="{1D05A6EB-F32C-3F2D-4F57-160010FAE055}"/>
+              </a:ext>
+            </a:extLst>
+          </p:cNvPr>
+          <p:cNvGrpSpPr/>
+          <p:nvPr/>
+        </p:nvGrpSpPr>
+        <p:grpSpPr>
+          <a:xfrm>
+            <a:off x="1109835" y="1226275"/>
+            <a:ext cx="1877205" cy="2102022"/>
+            <a:chOff x="6669197" y="1178456"/>
+            <a:chExt cx="1877205" cy="2102022"/>
+          </a:xfrm>
+        </p:grpSpPr>
+        <p:pic>
+          <p:nvPicPr>
+            <p:cNvPr id="33" name="그림 32" descr="스크린샷, 텍스트, 다채로움이(가) 표시된 사진&#10;&#10;자동 생성된 설명">
+              <a:extLst>
+                <a:ext uri="{FF2B5EF4-FFF2-40B4-BE49-F238E27FC236}">
+                  <a16:creationId xmlns:a16="http://schemas.microsoft.com/office/drawing/2014/main" id="{2C7030F7-C31F-C125-A7D0-223745678B8C}"/>
+                </a:ext>
+              </a:extLst>
+            </p:cNvPr>
+            <p:cNvPicPr>
+              <a:picLocks noChangeAspect="1"/>
+            </p:cNvPicPr>
+            <p:nvPr/>
+          </p:nvPicPr>
+          <p:blipFill rotWithShape="1">
+            <a:blip r:embed="rId3"/>
+            <a:srcRect r="66393"/>
+            <a:stretch/>
+          </p:blipFill>
+          <p:spPr>
+            <a:xfrm>
+              <a:off x="6669197" y="1497331"/>
+              <a:ext cx="381271" cy="1746985"/>
+            </a:xfrm>
+            <a:prstGeom prst="rect">
+              <a:avLst/>
+            </a:prstGeom>
+          </p:spPr>
+        </p:pic>
+        <p:pic>
+          <p:nvPicPr>
+            <p:cNvPr id="34" name="그림 33" descr="스크린샷, 텍스트, 다채로움이(가) 표시된 사진&#10;&#10;자동 생성된 설명">
+              <a:extLst>
+                <a:ext uri="{FF2B5EF4-FFF2-40B4-BE49-F238E27FC236}">
+                  <a16:creationId xmlns:a16="http://schemas.microsoft.com/office/drawing/2014/main" id="{E4FA04E6-F24E-FED0-3AA3-F3118391D422}"/>
+                </a:ext>
+              </a:extLst>
+            </p:cNvPr>
+            <p:cNvPicPr>
+              <a:picLocks noChangeAspect="1"/>
+            </p:cNvPicPr>
+            <p:nvPr/>
+          </p:nvPicPr>
+          <p:blipFill rotWithShape="1">
+            <a:blip r:embed="rId3"/>
+            <a:srcRect l="60596"/>
+            <a:stretch/>
+          </p:blipFill>
+          <p:spPr>
+            <a:xfrm>
+              <a:off x="7050468" y="1497331"/>
+              <a:ext cx="447040" cy="1746985"/>
+            </a:xfrm>
+            <a:prstGeom prst="rect">
+              <a:avLst/>
+            </a:prstGeom>
+          </p:spPr>
+        </p:pic>
+        <p:pic>
+          <p:nvPicPr>
+            <p:cNvPr id="35" name="그림 34" descr="스크린샷, 텍스트, 다채로움이(가) 표시된 사진&#10;&#10;자동 생성된 설명">
+              <a:extLst>
+                <a:ext uri="{FF2B5EF4-FFF2-40B4-BE49-F238E27FC236}">
+                  <a16:creationId xmlns:a16="http://schemas.microsoft.com/office/drawing/2014/main" id="{3BD471C3-5B4F-A8F5-BD3B-89970F97389B}"/>
+                </a:ext>
+              </a:extLst>
+            </p:cNvPr>
+            <p:cNvPicPr>
+              <a:picLocks noChangeAspect="1"/>
+            </p:cNvPicPr>
+            <p:nvPr/>
+          </p:nvPicPr>
+          <p:blipFill rotWithShape="1">
+            <a:blip r:embed="rId3"/>
+            <a:srcRect l="34379" r="26217"/>
+            <a:stretch/>
+          </p:blipFill>
+          <p:spPr>
+            <a:xfrm>
+              <a:off x="7497508" y="1497331"/>
+              <a:ext cx="1048894" cy="1746985"/>
+            </a:xfrm>
+            <a:prstGeom prst="rect">
+              <a:avLst/>
+            </a:prstGeom>
+          </p:spPr>
+        </p:pic>
+        <p:pic>
+          <p:nvPicPr>
+            <p:cNvPr id="36" name="그림 35" descr="스크린샷, 텍스트, 다채로움이(가) 표시된 사진&#10;&#10;자동 생성된 설명">
+              <a:extLst>
+                <a:ext uri="{FF2B5EF4-FFF2-40B4-BE49-F238E27FC236}">
+                  <a16:creationId xmlns:a16="http://schemas.microsoft.com/office/drawing/2014/main" id="{28EE0812-6AC2-309B-B774-16FDC0E8FE20}"/>
+                </a:ext>
+              </a:extLst>
+            </p:cNvPr>
+            <p:cNvPicPr>
+              <a:picLocks noChangeAspect="1"/>
+            </p:cNvPicPr>
+            <p:nvPr/>
+          </p:nvPicPr>
+          <p:blipFill rotWithShape="1">
+            <a:blip r:embed="rId3"/>
+            <a:srcRect l="34379" t="14685" r="26217" b="82480"/>
+            <a:stretch/>
+          </p:blipFill>
+          <p:spPr>
+            <a:xfrm>
+              <a:off x="6669197" y="1447800"/>
+              <a:ext cx="1048894" cy="49530"/>
+            </a:xfrm>
+            <a:prstGeom prst="rect">
+              <a:avLst/>
+            </a:prstGeom>
+          </p:spPr>
+        </p:pic>
+        <p:pic>
+          <p:nvPicPr>
+            <p:cNvPr id="37" name="그림 36" descr="스크린샷, 텍스트, 다채로움이(가) 표시된 사진&#10;&#10;자동 생성된 설명">
+              <a:extLst>
+                <a:ext uri="{FF2B5EF4-FFF2-40B4-BE49-F238E27FC236}">
+                  <a16:creationId xmlns:a16="http://schemas.microsoft.com/office/drawing/2014/main" id="{6799EECC-B926-1A33-F94E-1A114DBEF884}"/>
+                </a:ext>
+              </a:extLst>
+            </p:cNvPr>
+            <p:cNvPicPr>
+              <a:picLocks noChangeAspect="1"/>
+            </p:cNvPicPr>
+            <p:nvPr/>
+          </p:nvPicPr>
+          <p:blipFill rotWithShape="1">
+            <a:blip r:embed="rId3"/>
+            <a:srcRect l="34379" t="14685" r="26217" b="82480"/>
+            <a:stretch/>
+          </p:blipFill>
+          <p:spPr>
+            <a:xfrm>
+              <a:off x="7497508" y="1447799"/>
+              <a:ext cx="1048894" cy="49530"/>
+            </a:xfrm>
+            <a:prstGeom prst="rect">
+              <a:avLst/>
+            </a:prstGeom>
+          </p:spPr>
+        </p:pic>
+        <p:pic>
+          <p:nvPicPr>
+            <p:cNvPr id="38" name="그림 37" descr="스크린샷, 텍스트, 다채로움이(가) 표시된 사진&#10;&#10;자동 생성된 설명">
+              <a:extLst>
+                <a:ext uri="{FF2B5EF4-FFF2-40B4-BE49-F238E27FC236}">
+                  <a16:creationId xmlns:a16="http://schemas.microsoft.com/office/drawing/2014/main" id="{0665C20C-B2D2-637B-A330-F955485AB8AF}"/>
+                </a:ext>
+              </a:extLst>
+            </p:cNvPr>
+            <p:cNvPicPr>
+              <a:picLocks noChangeAspect="1"/>
+            </p:cNvPicPr>
+            <p:nvPr/>
+          </p:nvPicPr>
+          <p:blipFill rotWithShape="1">
+            <a:blip r:embed="rId3"/>
+            <a:srcRect l="34379" t="14685" r="26217" b="82480"/>
+            <a:stretch/>
+          </p:blipFill>
+          <p:spPr>
+            <a:xfrm>
+              <a:off x="6669197" y="3230948"/>
+              <a:ext cx="1048894" cy="49530"/>
+            </a:xfrm>
+            <a:prstGeom prst="rect">
+              <a:avLst/>
+            </a:prstGeom>
+          </p:spPr>
+        </p:pic>
+        <p:pic>
+          <p:nvPicPr>
+            <p:cNvPr id="39" name="그림 38" descr="스크린샷, 텍스트, 다채로움이(가) 표시된 사진&#10;&#10;자동 생성된 설명">
+              <a:extLst>
+                <a:ext uri="{FF2B5EF4-FFF2-40B4-BE49-F238E27FC236}">
+                  <a16:creationId xmlns:a16="http://schemas.microsoft.com/office/drawing/2014/main" id="{16689A55-753D-DF74-0C17-F418835A1337}"/>
+                </a:ext>
+              </a:extLst>
+            </p:cNvPr>
+            <p:cNvPicPr>
+              <a:picLocks noChangeAspect="1"/>
+            </p:cNvPicPr>
+            <p:nvPr/>
+          </p:nvPicPr>
+          <p:blipFill rotWithShape="1">
+            <a:blip r:embed="rId3"/>
+            <a:srcRect l="34379" t="14685" r="26217" b="82480"/>
+            <a:stretch/>
+          </p:blipFill>
+          <p:spPr>
+            <a:xfrm>
+              <a:off x="7497508" y="3230947"/>
+              <a:ext cx="1048894" cy="49530"/>
+            </a:xfrm>
+            <a:prstGeom prst="rect">
+              <a:avLst/>
+            </a:prstGeom>
+          </p:spPr>
+        </p:pic>
+        <p:sp>
+          <p:nvSpPr>
+            <p:cNvPr id="40" name="TextBox 39">
+              <a:extLst>
+                <a:ext uri="{FF2B5EF4-FFF2-40B4-BE49-F238E27FC236}">
+                  <a16:creationId xmlns:a16="http://schemas.microsoft.com/office/drawing/2014/main" id="{8C3B9047-D366-96B0-4054-FC4B6789BB50}"/>
+                </a:ext>
+              </a:extLst>
+            </p:cNvPr>
+            <p:cNvSpPr txBox="1"/>
+            <p:nvPr/>
+          </p:nvSpPr>
+          <p:spPr>
+            <a:xfrm>
+              <a:off x="7513784" y="1178456"/>
+              <a:ext cx="447559" cy="307777"/>
+            </a:xfrm>
+            <a:prstGeom prst="rect">
+              <a:avLst/>
+            </a:prstGeom>
+            <a:noFill/>
+          </p:spPr>
+          <p:txBody>
+            <a:bodyPr wrap="none" rtlCol="0">
+              <a:spAutoFit/>
+            </a:bodyPr>
+            <a:lstStyle/>
+            <a:p>
+              <a:pPr algn="ctr"/>
+              <a:r>
+                <a:rPr kumimoji="1" lang="en-US" altLang="ko-Kore-GB" sz="700" dirty="0">
+                  <a:ea typeface="Gulim" panose="020B0600000101010101" pitchFamily="34" charset="-127"/>
+                </a:rPr>
+                <a:t>Mean</a:t>
+              </a:r>
+            </a:p>
+            <a:p>
+              <a:pPr algn="ctr"/>
+              <a:r>
+                <a:rPr kumimoji="1" lang="en-US" altLang="ko-Kore-GB" sz="700" dirty="0">
+                  <a:ea typeface="Gulim" panose="020B0600000101010101" pitchFamily="34" charset="-127"/>
+                </a:rPr>
+                <a:t>reward</a:t>
+              </a:r>
+              <a:endParaRPr kumimoji="1" lang="ko-Kore-GB" altLang="en-US" sz="700" dirty="0">
+                <a:ea typeface="Gulim" panose="020B0600000101010101" pitchFamily="34" charset="-127"/>
+              </a:endParaRPr>
+            </a:p>
+          </p:txBody>
+        </p:sp>
+        <p:sp>
+          <p:nvSpPr>
+            <p:cNvPr id="41" name="TextBox 40">
+              <a:extLst>
+                <a:ext uri="{FF2B5EF4-FFF2-40B4-BE49-F238E27FC236}">
+                  <a16:creationId xmlns:a16="http://schemas.microsoft.com/office/drawing/2014/main" id="{54AC38C0-D8AC-262A-27C2-994D43F44B10}"/>
+                </a:ext>
+              </a:extLst>
+            </p:cNvPr>
+            <p:cNvSpPr txBox="1"/>
+            <p:nvPr/>
+          </p:nvSpPr>
+          <p:spPr>
+            <a:xfrm>
+              <a:off x="8045395" y="1178456"/>
+              <a:ext cx="498855" cy="307777"/>
+            </a:xfrm>
+            <a:prstGeom prst="rect">
+              <a:avLst/>
+            </a:prstGeom>
+            <a:noFill/>
+          </p:spPr>
+          <p:txBody>
+            <a:bodyPr wrap="none" rtlCol="0">
+              <a:spAutoFit/>
+            </a:bodyPr>
+            <a:lstStyle/>
+            <a:p>
+              <a:pPr algn="ctr"/>
+              <a:r>
+                <a:rPr kumimoji="1" lang="en-US" altLang="ko-Kore-GB" sz="700" dirty="0"/>
+                <a:t>Learning</a:t>
+              </a:r>
+            </a:p>
+            <a:p>
+              <a:pPr algn="ctr"/>
+              <a:r>
+                <a:rPr kumimoji="1" lang="en-US" altLang="ko-Kore-GB" sz="700" dirty="0"/>
+                <a:t>time</a:t>
+              </a:r>
+              <a:endParaRPr kumimoji="1" lang="ko-Kore-GB" altLang="en-US" sz="700" dirty="0"/>
+            </a:p>
+          </p:txBody>
+        </p:sp>
+      </p:grpSp>
+      <p:sp>
+        <p:nvSpPr>
+          <p:cNvPr id="42" name="TextBox 41">
+            <a:extLst>
+              <a:ext uri="{FF2B5EF4-FFF2-40B4-BE49-F238E27FC236}">
+                <a16:creationId xmlns:a16="http://schemas.microsoft.com/office/drawing/2014/main" id="{AA9C0464-A1F9-E261-B235-28918A00E1E5}"/>
+              </a:ext>
+            </a:extLst>
+          </p:cNvPr>
+          <p:cNvSpPr txBox="1"/>
+          <p:nvPr/>
+        </p:nvSpPr>
+        <p:spPr>
+          <a:xfrm>
+            <a:off x="2025049" y="1566139"/>
+            <a:ext cx="274435" cy="200055"/>
+          </a:xfrm>
+          <a:prstGeom prst="rect">
+            <a:avLst/>
+          </a:prstGeom>
+          <a:noFill/>
+        </p:spPr>
+        <p:txBody>
+          <a:bodyPr wrap="none" rtlCol="0">
+            <a:spAutoFit/>
+          </a:bodyPr>
+          <a:lstStyle/>
+          <a:p>
+            <a:pPr algn="ctr"/>
+            <a:r>
+              <a:rPr kumimoji="1" lang="en-US" altLang="ko-KR" sz="700" dirty="0">
+                <a:ea typeface="Gulim" panose="020B0600000101010101" pitchFamily="34" charset="-127"/>
+              </a:rPr>
+              <a:t>15</a:t>
+            </a:r>
+            <a:endParaRPr kumimoji="1" lang="ko-Kore-GB" altLang="en-US" sz="700" dirty="0">
+              <a:ea typeface="Gulim" panose="020B0600000101010101" pitchFamily="34" charset="-127"/>
+            </a:endParaRPr>
+          </a:p>
+        </p:txBody>
+      </p:sp>
+      <p:sp>
+        <p:nvSpPr>
+          <p:cNvPr id="43" name="TextBox 42">
+            <a:extLst>
+              <a:ext uri="{FF2B5EF4-FFF2-40B4-BE49-F238E27FC236}">
+                <a16:creationId xmlns:a16="http://schemas.microsoft.com/office/drawing/2014/main" id="{4FD16DB6-6944-FAA1-4B2F-1864E3936D90}"/>
+              </a:ext>
+            </a:extLst>
+          </p:cNvPr>
+          <p:cNvSpPr txBox="1"/>
+          <p:nvPr/>
+        </p:nvSpPr>
+        <p:spPr>
+          <a:xfrm>
+            <a:off x="2002607" y="1864630"/>
+            <a:ext cx="319319" cy="200055"/>
+          </a:xfrm>
+          <a:prstGeom prst="rect">
+            <a:avLst/>
+          </a:prstGeom>
+          <a:noFill/>
+        </p:spPr>
+        <p:txBody>
+          <a:bodyPr wrap="none" rtlCol="0">
+            <a:spAutoFit/>
+          </a:bodyPr>
+          <a:lstStyle/>
+          <a:p>
+            <a:pPr algn="ctr"/>
+            <a:r>
+              <a:rPr kumimoji="1" lang="en-US" altLang="ko-KR" sz="700" dirty="0">
+                <a:ea typeface="Gulim" panose="020B0600000101010101" pitchFamily="34" charset="-127"/>
+              </a:rPr>
+              <a:t>355</a:t>
+            </a:r>
+            <a:endParaRPr kumimoji="1" lang="ko-Kore-GB" altLang="en-US" sz="700" dirty="0">
+              <a:ea typeface="Gulim" panose="020B0600000101010101" pitchFamily="34" charset="-127"/>
+            </a:endParaRPr>
+          </a:p>
+        </p:txBody>
+      </p:sp>
+      <p:sp>
+        <p:nvSpPr>
+          <p:cNvPr id="44" name="TextBox 43">
+            <a:extLst>
+              <a:ext uri="{FF2B5EF4-FFF2-40B4-BE49-F238E27FC236}">
+                <a16:creationId xmlns:a16="http://schemas.microsoft.com/office/drawing/2014/main" id="{9154DABF-C8A7-2EF5-EC58-DF13099698D9}"/>
+              </a:ext>
+            </a:extLst>
+          </p:cNvPr>
+          <p:cNvSpPr txBox="1"/>
+          <p:nvPr/>
+        </p:nvSpPr>
+        <p:spPr>
+          <a:xfrm>
+            <a:off x="2002607" y="2163121"/>
+            <a:ext cx="319319" cy="200055"/>
+          </a:xfrm>
+          <a:prstGeom prst="rect">
+            <a:avLst/>
+          </a:prstGeom>
+          <a:noFill/>
+        </p:spPr>
+        <p:txBody>
+          <a:bodyPr wrap="none" rtlCol="0">
+            <a:spAutoFit/>
+          </a:bodyPr>
+          <a:lstStyle/>
+          <a:p>
+            <a:pPr algn="ctr"/>
+            <a:r>
+              <a:rPr kumimoji="1" lang="en-US" altLang="ko-KR" sz="700" dirty="0">
+                <a:ea typeface="Gulim" panose="020B0600000101010101" pitchFamily="34" charset="-127"/>
+              </a:rPr>
+              <a:t>345</a:t>
+            </a:r>
+            <a:endParaRPr kumimoji="1" lang="ko-Kore-GB" altLang="en-US" sz="700" dirty="0">
+              <a:ea typeface="Gulim" panose="020B0600000101010101" pitchFamily="34" charset="-127"/>
+            </a:endParaRPr>
+          </a:p>
+        </p:txBody>
+      </p:sp>
+      <p:sp>
+        <p:nvSpPr>
+          <p:cNvPr id="45" name="TextBox 44">
+            <a:extLst>
+              <a:ext uri="{FF2B5EF4-FFF2-40B4-BE49-F238E27FC236}">
+                <a16:creationId xmlns:a16="http://schemas.microsoft.com/office/drawing/2014/main" id="{63F36899-F6E0-7E76-F768-D1509BF07425}"/>
+              </a:ext>
+            </a:extLst>
+          </p:cNvPr>
+          <p:cNvSpPr txBox="1"/>
+          <p:nvPr/>
+        </p:nvSpPr>
+        <p:spPr>
+          <a:xfrm>
+            <a:off x="2025049" y="2461612"/>
+            <a:ext cx="274435" cy="200055"/>
+          </a:xfrm>
+          <a:prstGeom prst="rect">
+            <a:avLst/>
+          </a:prstGeom>
+          <a:noFill/>
+        </p:spPr>
+        <p:txBody>
+          <a:bodyPr wrap="none" rtlCol="0">
+            <a:spAutoFit/>
+          </a:bodyPr>
+          <a:lstStyle/>
+          <a:p>
+            <a:pPr algn="ctr"/>
+            <a:r>
+              <a:rPr kumimoji="1" lang="en-US" altLang="ko-KR" sz="700" dirty="0">
+                <a:ea typeface="Gulim" panose="020B0600000101010101" pitchFamily="34" charset="-127"/>
+              </a:rPr>
+              <a:t>35</a:t>
+            </a:r>
+            <a:endParaRPr kumimoji="1" lang="ko-Kore-GB" altLang="en-US" sz="700" dirty="0">
+              <a:ea typeface="Gulim" panose="020B0600000101010101" pitchFamily="34" charset="-127"/>
+            </a:endParaRPr>
+          </a:p>
+        </p:txBody>
+      </p:sp>
+      <p:sp>
+        <p:nvSpPr>
+          <p:cNvPr id="46" name="TextBox 45">
+            <a:extLst>
+              <a:ext uri="{FF2B5EF4-FFF2-40B4-BE49-F238E27FC236}">
+                <a16:creationId xmlns:a16="http://schemas.microsoft.com/office/drawing/2014/main" id="{34417AAC-7E5E-1632-9B02-5D2DEE10B1E0}"/>
+              </a:ext>
+            </a:extLst>
+          </p:cNvPr>
+          <p:cNvSpPr txBox="1"/>
+          <p:nvPr/>
+        </p:nvSpPr>
+        <p:spPr>
+          <a:xfrm>
+            <a:off x="2047491" y="2760103"/>
+            <a:ext cx="229550" cy="200055"/>
+          </a:xfrm>
+          <a:prstGeom prst="rect">
+            <a:avLst/>
+          </a:prstGeom>
+          <a:noFill/>
+        </p:spPr>
+        <p:txBody>
+          <a:bodyPr wrap="none" rtlCol="0">
+            <a:spAutoFit/>
+          </a:bodyPr>
+          <a:lstStyle/>
+          <a:p>
+            <a:pPr algn="ctr"/>
+            <a:r>
+              <a:rPr kumimoji="1" lang="en-US" altLang="ko-KR" sz="700" dirty="0">
+                <a:ea typeface="Gulim" panose="020B0600000101010101" pitchFamily="34" charset="-127"/>
+              </a:rPr>
+              <a:t>8</a:t>
+            </a:r>
+            <a:endParaRPr kumimoji="1" lang="ko-Kore-GB" altLang="en-US" sz="700" dirty="0">
+              <a:ea typeface="Gulim" panose="020B0600000101010101" pitchFamily="34" charset="-127"/>
+            </a:endParaRPr>
+          </a:p>
+        </p:txBody>
+      </p:sp>
+      <p:sp>
+        <p:nvSpPr>
+          <p:cNvPr id="47" name="TextBox 46">
+            <a:extLst>
+              <a:ext uri="{FF2B5EF4-FFF2-40B4-BE49-F238E27FC236}">
+                <a16:creationId xmlns:a16="http://schemas.microsoft.com/office/drawing/2014/main" id="{0302A28A-BAE3-EC48-A76E-E28FC0E4EE83}"/>
+              </a:ext>
+            </a:extLst>
+          </p:cNvPr>
+          <p:cNvSpPr txBox="1"/>
+          <p:nvPr/>
+        </p:nvSpPr>
+        <p:spPr>
+          <a:xfrm>
+            <a:off x="2002607" y="3058594"/>
+            <a:ext cx="319319" cy="200055"/>
+          </a:xfrm>
+          <a:prstGeom prst="rect">
+            <a:avLst/>
+          </a:prstGeom>
+          <a:noFill/>
+        </p:spPr>
+        <p:txBody>
+          <a:bodyPr wrap="none" rtlCol="0">
+            <a:spAutoFit/>
+          </a:bodyPr>
+          <a:lstStyle/>
+          <a:p>
+            <a:pPr algn="ctr"/>
+            <a:r>
+              <a:rPr kumimoji="1" lang="en-US" altLang="ko-KR" sz="700" dirty="0">
+                <a:ea typeface="Gulim" panose="020B0600000101010101" pitchFamily="34" charset="-127"/>
+              </a:rPr>
+              <a:t>138</a:t>
+            </a:r>
+            <a:endParaRPr kumimoji="1" lang="ko-Kore-GB" altLang="en-US" sz="700" dirty="0">
+              <a:ea typeface="Gulim" panose="020B0600000101010101" pitchFamily="34" charset="-127"/>
+            </a:endParaRPr>
+          </a:p>
+        </p:txBody>
+      </p:sp>
+      <p:sp>
+        <p:nvSpPr>
+          <p:cNvPr id="48" name="TextBox 47">
+            <a:extLst>
+              <a:ext uri="{FF2B5EF4-FFF2-40B4-BE49-F238E27FC236}">
+                <a16:creationId xmlns:a16="http://schemas.microsoft.com/office/drawing/2014/main" id="{242AC953-9CFC-58F1-A7F3-C150A3E5E7E5}"/>
+              </a:ext>
+            </a:extLst>
+          </p:cNvPr>
+          <p:cNvSpPr txBox="1"/>
+          <p:nvPr/>
+        </p:nvSpPr>
+        <p:spPr>
+          <a:xfrm>
+            <a:off x="2574253" y="1564936"/>
+            <a:ext cx="322525" cy="200055"/>
+          </a:xfrm>
+          <a:prstGeom prst="rect">
+            <a:avLst/>
+          </a:prstGeom>
+          <a:noFill/>
+        </p:spPr>
+        <p:txBody>
+          <a:bodyPr wrap="none" rtlCol="0">
+            <a:spAutoFit/>
+          </a:bodyPr>
+          <a:lstStyle/>
+          <a:p>
+            <a:pPr algn="ctr"/>
+            <a:r>
+              <a:rPr kumimoji="1" lang="en-US" altLang="ko-KR" sz="700" dirty="0">
+                <a:ea typeface="Gulim" panose="020B0600000101010101" pitchFamily="34" charset="-127"/>
+              </a:rPr>
+              <a:t>7</a:t>
+            </a:r>
+            <a:r>
+              <a:rPr kumimoji="1" lang="ko-KR" altLang="en-US" sz="700" dirty="0">
+                <a:ea typeface="Gulim" panose="020B0600000101010101" pitchFamily="34" charset="-127"/>
+              </a:rPr>
+              <a:t> </a:t>
+            </a:r>
+            <a:r>
+              <a:rPr kumimoji="1" lang="en-US" altLang="ko-KR" sz="700" dirty="0">
+                <a:ea typeface="Gulim" panose="020B0600000101010101" pitchFamily="34" charset="-127"/>
+              </a:rPr>
+              <a:t>m</a:t>
+            </a:r>
+            <a:endParaRPr kumimoji="1" lang="ko-Kore-GB" altLang="en-US" sz="700" dirty="0">
+              <a:ea typeface="Gulim" panose="020B0600000101010101" pitchFamily="34" charset="-127"/>
+            </a:endParaRPr>
+          </a:p>
+        </p:txBody>
+      </p:sp>
+      <p:sp>
+        <p:nvSpPr>
+          <p:cNvPr id="49" name="TextBox 48">
+            <a:extLst>
+              <a:ext uri="{FF2B5EF4-FFF2-40B4-BE49-F238E27FC236}">
+                <a16:creationId xmlns:a16="http://schemas.microsoft.com/office/drawing/2014/main" id="{C09D7204-17F2-F07B-FF51-7206DA5EE415}"/>
+              </a:ext>
+            </a:extLst>
+          </p:cNvPr>
+          <p:cNvSpPr txBox="1"/>
+          <p:nvPr/>
+        </p:nvSpPr>
+        <p:spPr>
+          <a:xfrm>
+            <a:off x="2574253" y="1863427"/>
+            <a:ext cx="322525" cy="200055"/>
+          </a:xfrm>
+          <a:prstGeom prst="rect">
+            <a:avLst/>
+          </a:prstGeom>
+          <a:noFill/>
+        </p:spPr>
+        <p:txBody>
+          <a:bodyPr wrap="none" rtlCol="0">
+            <a:spAutoFit/>
+          </a:bodyPr>
+          <a:lstStyle/>
+          <a:p>
+            <a:pPr algn="ctr"/>
+            <a:r>
+              <a:rPr kumimoji="1" lang="en-US" altLang="ko-KR" sz="700" dirty="0">
+                <a:ea typeface="Gulim" panose="020B0600000101010101" pitchFamily="34" charset="-127"/>
+              </a:rPr>
+              <a:t>2 m</a:t>
+            </a:r>
+            <a:endParaRPr kumimoji="1" lang="ko-Kore-GB" altLang="en-US" sz="700" dirty="0">
+              <a:ea typeface="Gulim" panose="020B0600000101010101" pitchFamily="34" charset="-127"/>
+            </a:endParaRPr>
+          </a:p>
+        </p:txBody>
+      </p:sp>
+      <p:sp>
+        <p:nvSpPr>
+          <p:cNvPr id="50" name="TextBox 49">
+            <a:extLst>
+              <a:ext uri="{FF2B5EF4-FFF2-40B4-BE49-F238E27FC236}">
+                <a16:creationId xmlns:a16="http://schemas.microsoft.com/office/drawing/2014/main" id="{155270F9-62BB-DCF7-9002-F2A23641C6C9}"/>
+              </a:ext>
+            </a:extLst>
+          </p:cNvPr>
+          <p:cNvSpPr txBox="1"/>
+          <p:nvPr/>
+        </p:nvSpPr>
+        <p:spPr>
+          <a:xfrm>
+            <a:off x="2553416" y="2161918"/>
+            <a:ext cx="364203" cy="200055"/>
+          </a:xfrm>
+          <a:prstGeom prst="rect">
+            <a:avLst/>
+          </a:prstGeom>
+          <a:noFill/>
+        </p:spPr>
+        <p:txBody>
+          <a:bodyPr wrap="none" rtlCol="0">
+            <a:spAutoFit/>
+          </a:bodyPr>
+          <a:lstStyle/>
+          <a:p>
+            <a:pPr algn="ctr"/>
+            <a:r>
+              <a:rPr kumimoji="1" lang="en-US" altLang="ko-KR" sz="700" dirty="0">
+                <a:ea typeface="Gulim" panose="020B0600000101010101" pitchFamily="34" charset="-127"/>
+              </a:rPr>
+              <a:t>1.6</a:t>
+            </a:r>
+            <a:r>
+              <a:rPr kumimoji="1" lang="en-US" altLang="ko-Kore-GB" sz="700" dirty="0">
+                <a:ea typeface="Gulim" panose="020B0600000101010101" pitchFamily="34" charset="-127"/>
+              </a:rPr>
+              <a:t> h</a:t>
+            </a:r>
+            <a:endParaRPr kumimoji="1" lang="ko-Kore-GB" altLang="en-US" sz="700" dirty="0">
+              <a:ea typeface="Gulim" panose="020B0600000101010101" pitchFamily="34" charset="-127"/>
+            </a:endParaRPr>
+          </a:p>
+        </p:txBody>
+      </p:sp>
+      <p:sp>
+        <p:nvSpPr>
+          <p:cNvPr id="51" name="TextBox 50">
+            <a:extLst>
+              <a:ext uri="{FF2B5EF4-FFF2-40B4-BE49-F238E27FC236}">
+                <a16:creationId xmlns:a16="http://schemas.microsoft.com/office/drawing/2014/main" id="{5D9CA365-5E66-1A20-C401-1D18D68C4D20}"/>
+              </a:ext>
+            </a:extLst>
+          </p:cNvPr>
+          <p:cNvSpPr txBox="1"/>
+          <p:nvPr/>
+        </p:nvSpPr>
+        <p:spPr>
+          <a:xfrm>
+            <a:off x="2553416" y="2460409"/>
+            <a:ext cx="364203" cy="200055"/>
+          </a:xfrm>
+          <a:prstGeom prst="rect">
+            <a:avLst/>
+          </a:prstGeom>
+          <a:noFill/>
+        </p:spPr>
+        <p:txBody>
+          <a:bodyPr wrap="none" rtlCol="0">
+            <a:spAutoFit/>
+          </a:bodyPr>
+          <a:lstStyle/>
+          <a:p>
+            <a:pPr algn="ctr"/>
+            <a:r>
+              <a:rPr kumimoji="1" lang="en-US" altLang="ko-KR" sz="700" dirty="0">
+                <a:ea typeface="Gulim" panose="020B0600000101010101" pitchFamily="34" charset="-127"/>
+              </a:rPr>
+              <a:t>2.7</a:t>
+            </a:r>
+            <a:r>
+              <a:rPr kumimoji="1" lang="en-US" altLang="ko-Kore-GB" sz="700" dirty="0">
+                <a:ea typeface="Gulim" panose="020B0600000101010101" pitchFamily="34" charset="-127"/>
+              </a:rPr>
+              <a:t> h</a:t>
+            </a:r>
+            <a:endParaRPr kumimoji="1" lang="ko-Kore-GB" altLang="en-US" sz="700" dirty="0">
+              <a:ea typeface="Gulim" panose="020B0600000101010101" pitchFamily="34" charset="-127"/>
+            </a:endParaRPr>
+          </a:p>
+        </p:txBody>
+      </p:sp>
+      <p:sp>
+        <p:nvSpPr>
+          <p:cNvPr id="52" name="TextBox 51">
+            <a:extLst>
+              <a:ext uri="{FF2B5EF4-FFF2-40B4-BE49-F238E27FC236}">
+                <a16:creationId xmlns:a16="http://schemas.microsoft.com/office/drawing/2014/main" id="{E261E77D-C0D2-A75D-428C-8929D15AB3B6}"/>
+              </a:ext>
+            </a:extLst>
+          </p:cNvPr>
+          <p:cNvSpPr txBox="1"/>
+          <p:nvPr/>
+        </p:nvSpPr>
+        <p:spPr>
+          <a:xfrm>
+            <a:off x="2564636" y="2758900"/>
+            <a:ext cx="341761" cy="200055"/>
+          </a:xfrm>
+          <a:prstGeom prst="rect">
+            <a:avLst/>
+          </a:prstGeom>
+          <a:noFill/>
+        </p:spPr>
+        <p:txBody>
+          <a:bodyPr wrap="none" rtlCol="0">
+            <a:spAutoFit/>
+          </a:bodyPr>
+          <a:lstStyle/>
+          <a:p>
+            <a:pPr algn="ctr"/>
+            <a:r>
+              <a:rPr kumimoji="1" lang="en-US" altLang="ko-KR" sz="700" dirty="0">
+                <a:ea typeface="Gulim" panose="020B0600000101010101" pitchFamily="34" charset="-127"/>
+              </a:rPr>
+              <a:t>21</a:t>
+            </a:r>
+            <a:r>
+              <a:rPr kumimoji="1" lang="en-US" altLang="ko-Kore-GB" sz="700" dirty="0">
+                <a:ea typeface="Gulim" panose="020B0600000101010101" pitchFamily="34" charset="-127"/>
+              </a:rPr>
+              <a:t> h</a:t>
+            </a:r>
+            <a:endParaRPr kumimoji="1" lang="ko-Kore-GB" altLang="en-US" sz="700" dirty="0">
+              <a:ea typeface="Gulim" panose="020B0600000101010101" pitchFamily="34" charset="-127"/>
+            </a:endParaRPr>
+          </a:p>
+        </p:txBody>
+      </p:sp>
+      <p:sp>
+        <p:nvSpPr>
+          <p:cNvPr id="53" name="TextBox 52">
+            <a:extLst>
+              <a:ext uri="{FF2B5EF4-FFF2-40B4-BE49-F238E27FC236}">
+                <a16:creationId xmlns:a16="http://schemas.microsoft.com/office/drawing/2014/main" id="{6BFA4EC3-4685-BB4D-C2FF-9D83F6F1ECBF}"/>
+              </a:ext>
+            </a:extLst>
+          </p:cNvPr>
+          <p:cNvSpPr txBox="1"/>
+          <p:nvPr/>
+        </p:nvSpPr>
+        <p:spPr>
+          <a:xfrm>
+            <a:off x="2574253" y="3057391"/>
+            <a:ext cx="322524" cy="200055"/>
+          </a:xfrm>
+          <a:prstGeom prst="rect">
+            <a:avLst/>
+          </a:prstGeom>
+          <a:noFill/>
+        </p:spPr>
+        <p:txBody>
+          <a:bodyPr wrap="none" rtlCol="0">
+            <a:spAutoFit/>
+          </a:bodyPr>
+          <a:lstStyle/>
+          <a:p>
+            <a:pPr algn="ctr"/>
+            <a:r>
+              <a:rPr kumimoji="1" lang="en-US" altLang="ko-Kore-GB" sz="700" dirty="0">
+                <a:ea typeface="Gulim" panose="020B0600000101010101" pitchFamily="34" charset="-127"/>
+              </a:rPr>
+              <a:t>4 m</a:t>
+            </a:r>
+            <a:endParaRPr kumimoji="1" lang="ko-Kore-GB" altLang="en-US" sz="700" dirty="0">
+              <a:ea typeface="Gulim" panose="020B0600000101010101" pitchFamily="34" charset="-127"/>
+            </a:endParaRPr>
+          </a:p>
+        </p:txBody>
+      </p:sp>
+    </p:spTree>
+    <p:extLst>
+      <p:ext uri="{BB962C8B-B14F-4D97-AF65-F5344CB8AC3E}">
+        <p14:creationId xmlns:p14="http://schemas.microsoft.com/office/powerpoint/2010/main" val="3122822891"/>
+      </p:ext>
+    </p:extLst>
+  </p:cSld>
+  <p:clrMapOvr>
+    <a:masterClrMapping/>
+  </p:clrMapOvr>
+</p:sld>
+</file>
+
+<file path=ppt/slides/slide5.xml><?xml version="1.0" encoding="utf-8"?>
+<p:sld xmlns:a="http://schemas.openxmlformats.org/drawingml/2006/main" xmlns:r="http://schemas.openxmlformats.org/officeDocument/2006/relationships" xmlns:p="http://schemas.openxmlformats.org/presentationml/2006/main">
+  <p:cSld>
+    <p:spTree>
+      <p:nvGrpSpPr>
+        <p:cNvPr id="1" name=""/>
+        <p:cNvGrpSpPr/>
+        <p:nvPr/>
+      </p:nvGrpSpPr>
+      <p:grpSpPr>
+        <a:xfrm>
+          <a:off x="0" y="0"/>
+          <a:ext cx="0" cy="0"/>
+          <a:chOff x="0" y="0"/>
+          <a:chExt cx="0" cy="0"/>
+        </a:xfrm>
+      </p:grpSpPr>
+      <p:sp>
+        <p:nvSpPr>
+          <p:cNvPr id="25" name="TextBox 24">
+            <a:extLst>
+              <a:ext uri="{FF2B5EF4-FFF2-40B4-BE49-F238E27FC236}">
+                <a16:creationId xmlns:a16="http://schemas.microsoft.com/office/drawing/2014/main" id="{0E31E0A9-71CB-DB55-57D1-A27C3A3E72F4}"/>
+              </a:ext>
+            </a:extLst>
+          </p:cNvPr>
+          <p:cNvSpPr txBox="1"/>
+          <p:nvPr/>
+        </p:nvSpPr>
+        <p:spPr>
+          <a:xfrm>
+            <a:off x="2987040" y="355600"/>
+            <a:ext cx="668260" cy="369332"/>
+          </a:xfrm>
+          <a:prstGeom prst="rect">
+            <a:avLst/>
+          </a:prstGeom>
+          <a:noFill/>
+        </p:spPr>
+        <p:txBody>
+          <a:bodyPr wrap="none" rtlCol="0">
+            <a:spAutoFit/>
+          </a:bodyPr>
+          <a:lstStyle/>
+          <a:p>
+            <a:r>
+              <a:rPr kumimoji="1" lang="en-US" altLang="ko-Kore-GB" dirty="0"/>
+              <a:t>Right</a:t>
+            </a:r>
+          </a:p>
+        </p:txBody>
+      </p:sp>
+      <p:pic>
+        <p:nvPicPr>
+          <p:cNvPr id="5" name="그림 4" descr="라인, 그래프, 도표, 폰트이(가) 표시된 사진&#10;&#10;자동 생성된 설명">
+            <a:extLst>
+              <a:ext uri="{FF2B5EF4-FFF2-40B4-BE49-F238E27FC236}">
+                <a16:creationId xmlns:a16="http://schemas.microsoft.com/office/drawing/2014/main" id="{266BDFB3-315E-0132-D3D5-2933096C6474}"/>
+              </a:ext>
+            </a:extLst>
+          </p:cNvPr>
+          <p:cNvPicPr>
+            <a:picLocks noChangeAspect="1"/>
+          </p:cNvPicPr>
+          <p:nvPr/>
+        </p:nvPicPr>
+        <p:blipFill>
+          <a:blip r:embed="rId2"/>
+          <a:stretch>
+            <a:fillRect/>
+          </a:stretch>
+        </p:blipFill>
+        <p:spPr>
+          <a:xfrm>
+            <a:off x="3138199" y="1226275"/>
+            <a:ext cx="5094044" cy="2239238"/>
+          </a:xfrm>
+          <a:prstGeom prst="rect">
+            <a:avLst/>
+          </a:prstGeom>
+        </p:spPr>
+      </p:pic>
+      <p:grpSp>
+        <p:nvGrpSpPr>
+          <p:cNvPr id="6" name="그룹 5">
+            <a:extLst>
+              <a:ext uri="{FF2B5EF4-FFF2-40B4-BE49-F238E27FC236}">
+                <a16:creationId xmlns:a16="http://schemas.microsoft.com/office/drawing/2014/main" id="{FD63BB08-FD1A-4065-A946-81A646912DC7}"/>
+              </a:ext>
+            </a:extLst>
+          </p:cNvPr>
+          <p:cNvGrpSpPr/>
+          <p:nvPr/>
+        </p:nvGrpSpPr>
+        <p:grpSpPr>
+          <a:xfrm>
+            <a:off x="1109835" y="1226275"/>
+            <a:ext cx="1877205" cy="2102022"/>
+            <a:chOff x="6669197" y="1178456"/>
+            <a:chExt cx="1877205" cy="2102022"/>
+          </a:xfrm>
+        </p:grpSpPr>
+        <p:pic>
+          <p:nvPicPr>
+            <p:cNvPr id="7" name="그림 6" descr="스크린샷, 텍스트, 다채로움이(가) 표시된 사진&#10;&#10;자동 생성된 설명">
+              <a:extLst>
+                <a:ext uri="{FF2B5EF4-FFF2-40B4-BE49-F238E27FC236}">
+                  <a16:creationId xmlns:a16="http://schemas.microsoft.com/office/drawing/2014/main" id="{AE5B2679-6724-A4C2-4F9D-7A844706FB58}"/>
+                </a:ext>
+              </a:extLst>
+            </p:cNvPr>
+            <p:cNvPicPr>
+              <a:picLocks noChangeAspect="1"/>
+            </p:cNvPicPr>
+            <p:nvPr/>
+          </p:nvPicPr>
+          <p:blipFill rotWithShape="1">
+            <a:blip r:embed="rId3"/>
+            <a:srcRect r="66393"/>
+            <a:stretch/>
+          </p:blipFill>
+          <p:spPr>
+            <a:xfrm>
+              <a:off x="6669197" y="1497331"/>
+              <a:ext cx="381271" cy="1746985"/>
+            </a:xfrm>
+            <a:prstGeom prst="rect">
+              <a:avLst/>
+            </a:prstGeom>
+          </p:spPr>
+        </p:pic>
+        <p:pic>
+          <p:nvPicPr>
+            <p:cNvPr id="8" name="그림 7" descr="스크린샷, 텍스트, 다채로움이(가) 표시된 사진&#10;&#10;자동 생성된 설명">
+              <a:extLst>
+                <a:ext uri="{FF2B5EF4-FFF2-40B4-BE49-F238E27FC236}">
+                  <a16:creationId xmlns:a16="http://schemas.microsoft.com/office/drawing/2014/main" id="{BDC18E25-4F28-99ED-2EA7-BF99A8D709FE}"/>
+                </a:ext>
+              </a:extLst>
+            </p:cNvPr>
+            <p:cNvPicPr>
+              <a:picLocks noChangeAspect="1"/>
+            </p:cNvPicPr>
+            <p:nvPr/>
+          </p:nvPicPr>
+          <p:blipFill rotWithShape="1">
+            <a:blip r:embed="rId3"/>
+            <a:srcRect l="60596"/>
+            <a:stretch/>
+          </p:blipFill>
+          <p:spPr>
+            <a:xfrm>
+              <a:off x="7050468" y="1497331"/>
+              <a:ext cx="447040" cy="1746985"/>
+            </a:xfrm>
+            <a:prstGeom prst="rect">
+              <a:avLst/>
+            </a:prstGeom>
+          </p:spPr>
+        </p:pic>
+        <p:pic>
+          <p:nvPicPr>
+            <p:cNvPr id="9" name="그림 8" descr="스크린샷, 텍스트, 다채로움이(가) 표시된 사진&#10;&#10;자동 생성된 설명">
+              <a:extLst>
+                <a:ext uri="{FF2B5EF4-FFF2-40B4-BE49-F238E27FC236}">
+                  <a16:creationId xmlns:a16="http://schemas.microsoft.com/office/drawing/2014/main" id="{61FB559D-FB2E-E51A-4149-277DC6A82D5C}"/>
+                </a:ext>
+              </a:extLst>
+            </p:cNvPr>
+            <p:cNvPicPr>
+              <a:picLocks noChangeAspect="1"/>
+            </p:cNvPicPr>
+            <p:nvPr/>
+          </p:nvPicPr>
+          <p:blipFill rotWithShape="1">
+            <a:blip r:embed="rId3"/>
+            <a:srcRect l="34379" r="26217"/>
+            <a:stretch/>
+          </p:blipFill>
+          <p:spPr>
+            <a:xfrm>
+              <a:off x="7497508" y="1497331"/>
+              <a:ext cx="1048894" cy="1746985"/>
+            </a:xfrm>
+            <a:prstGeom prst="rect">
+              <a:avLst/>
+            </a:prstGeom>
+          </p:spPr>
+        </p:pic>
+        <p:pic>
+          <p:nvPicPr>
+            <p:cNvPr id="10" name="그림 9" descr="스크린샷, 텍스트, 다채로움이(가) 표시된 사진&#10;&#10;자동 생성된 설명">
+              <a:extLst>
+                <a:ext uri="{FF2B5EF4-FFF2-40B4-BE49-F238E27FC236}">
+                  <a16:creationId xmlns:a16="http://schemas.microsoft.com/office/drawing/2014/main" id="{30E2CD7E-0410-9F01-8F78-B14A620DB32C}"/>
+                </a:ext>
+              </a:extLst>
+            </p:cNvPr>
+            <p:cNvPicPr>
+              <a:picLocks noChangeAspect="1"/>
+            </p:cNvPicPr>
+            <p:nvPr/>
+          </p:nvPicPr>
+          <p:blipFill rotWithShape="1">
+            <a:blip r:embed="rId3"/>
+            <a:srcRect l="34379" t="14685" r="26217" b="82480"/>
+            <a:stretch/>
+          </p:blipFill>
+          <p:spPr>
+            <a:xfrm>
+              <a:off x="6669197" y="1447800"/>
+              <a:ext cx="1048894" cy="49530"/>
+            </a:xfrm>
+            <a:prstGeom prst="rect">
+              <a:avLst/>
+            </a:prstGeom>
+          </p:spPr>
+        </p:pic>
+        <p:pic>
+          <p:nvPicPr>
+            <p:cNvPr id="11" name="그림 10" descr="스크린샷, 텍스트, 다채로움이(가) 표시된 사진&#10;&#10;자동 생성된 설명">
+              <a:extLst>
+                <a:ext uri="{FF2B5EF4-FFF2-40B4-BE49-F238E27FC236}">
+                  <a16:creationId xmlns:a16="http://schemas.microsoft.com/office/drawing/2014/main" id="{4AE4F348-EC96-AB44-8F10-626D82AEC651}"/>
+                </a:ext>
+              </a:extLst>
+            </p:cNvPr>
+            <p:cNvPicPr>
+              <a:picLocks noChangeAspect="1"/>
+            </p:cNvPicPr>
+            <p:nvPr/>
+          </p:nvPicPr>
+          <p:blipFill rotWithShape="1">
+            <a:blip r:embed="rId3"/>
+            <a:srcRect l="34379" t="14685" r="26217" b="82480"/>
+            <a:stretch/>
+          </p:blipFill>
+          <p:spPr>
+            <a:xfrm>
+              <a:off x="7497508" y="1447799"/>
+              <a:ext cx="1048894" cy="49530"/>
+            </a:xfrm>
+            <a:prstGeom prst="rect">
+              <a:avLst/>
+            </a:prstGeom>
+          </p:spPr>
+        </p:pic>
+        <p:pic>
+          <p:nvPicPr>
+            <p:cNvPr id="12" name="그림 11" descr="스크린샷, 텍스트, 다채로움이(가) 표시된 사진&#10;&#10;자동 생성된 설명">
+              <a:extLst>
+                <a:ext uri="{FF2B5EF4-FFF2-40B4-BE49-F238E27FC236}">
+                  <a16:creationId xmlns:a16="http://schemas.microsoft.com/office/drawing/2014/main" id="{F99A30C6-26A0-75E6-C9FF-164687F6B4CA}"/>
+                </a:ext>
+              </a:extLst>
+            </p:cNvPr>
+            <p:cNvPicPr>
+              <a:picLocks noChangeAspect="1"/>
+            </p:cNvPicPr>
+            <p:nvPr/>
+          </p:nvPicPr>
+          <p:blipFill rotWithShape="1">
+            <a:blip r:embed="rId3"/>
+            <a:srcRect l="34379" t="14685" r="26217" b="82480"/>
+            <a:stretch/>
+          </p:blipFill>
+          <p:spPr>
+            <a:xfrm>
+              <a:off x="6669197" y="3230948"/>
+              <a:ext cx="1048894" cy="49530"/>
+            </a:xfrm>
+            <a:prstGeom prst="rect">
+              <a:avLst/>
+            </a:prstGeom>
+          </p:spPr>
+        </p:pic>
+        <p:pic>
+          <p:nvPicPr>
+            <p:cNvPr id="13" name="그림 12" descr="스크린샷, 텍스트, 다채로움이(가) 표시된 사진&#10;&#10;자동 생성된 설명">
+              <a:extLst>
+                <a:ext uri="{FF2B5EF4-FFF2-40B4-BE49-F238E27FC236}">
+                  <a16:creationId xmlns:a16="http://schemas.microsoft.com/office/drawing/2014/main" id="{BC3ADDAC-470D-3073-40BD-E18744464AB8}"/>
+                </a:ext>
+              </a:extLst>
+            </p:cNvPr>
+            <p:cNvPicPr>
+              <a:picLocks noChangeAspect="1"/>
+            </p:cNvPicPr>
+            <p:nvPr/>
+          </p:nvPicPr>
+          <p:blipFill rotWithShape="1">
+            <a:blip r:embed="rId3"/>
+            <a:srcRect l="34379" t="14685" r="26217" b="82480"/>
+            <a:stretch/>
+          </p:blipFill>
+          <p:spPr>
+            <a:xfrm>
+              <a:off x="7497508" y="3230947"/>
+              <a:ext cx="1048894" cy="49530"/>
+            </a:xfrm>
+            <a:prstGeom prst="rect">
+              <a:avLst/>
+            </a:prstGeom>
+          </p:spPr>
+        </p:pic>
+        <p:sp>
+          <p:nvSpPr>
+            <p:cNvPr id="14" name="TextBox 13">
+              <a:extLst>
+                <a:ext uri="{FF2B5EF4-FFF2-40B4-BE49-F238E27FC236}">
+                  <a16:creationId xmlns:a16="http://schemas.microsoft.com/office/drawing/2014/main" id="{7A023830-6DBC-A754-B03D-FFEC9C2AE07A}"/>
+                </a:ext>
+              </a:extLst>
+            </p:cNvPr>
+            <p:cNvSpPr txBox="1"/>
+            <p:nvPr/>
+          </p:nvSpPr>
+          <p:spPr>
+            <a:xfrm>
+              <a:off x="7513784" y="1178456"/>
+              <a:ext cx="447559" cy="307777"/>
+            </a:xfrm>
+            <a:prstGeom prst="rect">
+              <a:avLst/>
+            </a:prstGeom>
+            <a:noFill/>
+          </p:spPr>
+          <p:txBody>
+            <a:bodyPr wrap="none" rtlCol="0">
+              <a:spAutoFit/>
+            </a:bodyPr>
+            <a:lstStyle/>
+            <a:p>
+              <a:pPr algn="ctr"/>
+              <a:r>
+                <a:rPr kumimoji="1" lang="en-US" altLang="ko-Kore-GB" sz="700" dirty="0">
+                  <a:ea typeface="Gulim" panose="020B0600000101010101" pitchFamily="34" charset="-127"/>
+                </a:rPr>
+                <a:t>Mean</a:t>
+              </a:r>
+            </a:p>
+            <a:p>
+              <a:pPr algn="ctr"/>
+              <a:r>
+                <a:rPr kumimoji="1" lang="en-US" altLang="ko-Kore-GB" sz="700" dirty="0">
+                  <a:ea typeface="Gulim" panose="020B0600000101010101" pitchFamily="34" charset="-127"/>
+                </a:rPr>
+                <a:t>reward</a:t>
+              </a:r>
+              <a:endParaRPr kumimoji="1" lang="ko-Kore-GB" altLang="en-US" sz="700" dirty="0">
+                <a:ea typeface="Gulim" panose="020B0600000101010101" pitchFamily="34" charset="-127"/>
+              </a:endParaRPr>
+            </a:p>
+          </p:txBody>
+        </p:sp>
+        <p:sp>
+          <p:nvSpPr>
+            <p:cNvPr id="15" name="TextBox 14">
+              <a:extLst>
+                <a:ext uri="{FF2B5EF4-FFF2-40B4-BE49-F238E27FC236}">
+                  <a16:creationId xmlns:a16="http://schemas.microsoft.com/office/drawing/2014/main" id="{14F09176-34E4-B7D0-B720-C5FDFE2EA825}"/>
+                </a:ext>
+              </a:extLst>
+            </p:cNvPr>
+            <p:cNvSpPr txBox="1"/>
+            <p:nvPr/>
+          </p:nvSpPr>
+          <p:spPr>
+            <a:xfrm>
+              <a:off x="8045395" y="1178456"/>
+              <a:ext cx="498855" cy="307777"/>
+            </a:xfrm>
+            <a:prstGeom prst="rect">
+              <a:avLst/>
+            </a:prstGeom>
+            <a:noFill/>
+          </p:spPr>
+          <p:txBody>
+            <a:bodyPr wrap="none" rtlCol="0">
+              <a:spAutoFit/>
+            </a:bodyPr>
+            <a:lstStyle/>
+            <a:p>
+              <a:pPr algn="ctr"/>
+              <a:r>
+                <a:rPr kumimoji="1" lang="en-US" altLang="ko-Kore-GB" sz="700" dirty="0"/>
+                <a:t>Learning</a:t>
+              </a:r>
+            </a:p>
+            <a:p>
+              <a:pPr algn="ctr"/>
+              <a:r>
+                <a:rPr kumimoji="1" lang="en-US" altLang="ko-Kore-GB" sz="700" dirty="0"/>
+                <a:t>time</a:t>
+              </a:r>
+              <a:endParaRPr kumimoji="1" lang="ko-Kore-GB" altLang="en-US" sz="700" dirty="0"/>
+            </a:p>
+          </p:txBody>
+        </p:sp>
+      </p:grpSp>
+      <p:sp>
+        <p:nvSpPr>
+          <p:cNvPr id="16" name="TextBox 15">
+            <a:extLst>
+              <a:ext uri="{FF2B5EF4-FFF2-40B4-BE49-F238E27FC236}">
+                <a16:creationId xmlns:a16="http://schemas.microsoft.com/office/drawing/2014/main" id="{F02B84AD-CE43-8643-5D6C-09A20DD98994}"/>
+              </a:ext>
+            </a:extLst>
+          </p:cNvPr>
+          <p:cNvSpPr txBox="1"/>
+          <p:nvPr/>
+        </p:nvSpPr>
+        <p:spPr>
+          <a:xfrm>
+            <a:off x="2002607" y="1566139"/>
+            <a:ext cx="319319" cy="200055"/>
+          </a:xfrm>
+          <a:prstGeom prst="rect">
+            <a:avLst/>
+          </a:prstGeom>
+          <a:noFill/>
+        </p:spPr>
+        <p:txBody>
+          <a:bodyPr wrap="none" rtlCol="0">
+            <a:spAutoFit/>
+          </a:bodyPr>
+          <a:lstStyle/>
+          <a:p>
+            <a:pPr algn="ctr"/>
+            <a:r>
+              <a:rPr kumimoji="1" lang="en-US" altLang="ko-KR" sz="700" dirty="0">
+                <a:ea typeface="Gulim" panose="020B0600000101010101" pitchFamily="34" charset="-127"/>
+              </a:rPr>
+              <a:t>180</a:t>
+            </a:r>
+            <a:endParaRPr kumimoji="1" lang="ko-Kore-GB" altLang="en-US" sz="700" dirty="0">
+              <a:ea typeface="Gulim" panose="020B0600000101010101" pitchFamily="34" charset="-127"/>
+            </a:endParaRPr>
+          </a:p>
+        </p:txBody>
+      </p:sp>
+      <p:sp>
+        <p:nvSpPr>
+          <p:cNvPr id="17" name="TextBox 16">
+            <a:extLst>
+              <a:ext uri="{FF2B5EF4-FFF2-40B4-BE49-F238E27FC236}">
+                <a16:creationId xmlns:a16="http://schemas.microsoft.com/office/drawing/2014/main" id="{8561F29D-7B44-1AF8-841A-72A9A4CEAC77}"/>
+              </a:ext>
+            </a:extLst>
+          </p:cNvPr>
+          <p:cNvSpPr txBox="1"/>
+          <p:nvPr/>
+        </p:nvSpPr>
+        <p:spPr>
+          <a:xfrm>
+            <a:off x="2002607" y="1864630"/>
+            <a:ext cx="319319" cy="200055"/>
+          </a:xfrm>
+          <a:prstGeom prst="rect">
+            <a:avLst/>
+          </a:prstGeom>
+          <a:noFill/>
+        </p:spPr>
+        <p:txBody>
+          <a:bodyPr wrap="none" rtlCol="0">
+            <a:spAutoFit/>
+          </a:bodyPr>
+          <a:lstStyle/>
+          <a:p>
+            <a:pPr algn="ctr"/>
+            <a:r>
+              <a:rPr kumimoji="1" lang="en-US" altLang="ko-KR" sz="700" dirty="0">
+                <a:ea typeface="Gulim" panose="020B0600000101010101" pitchFamily="34" charset="-127"/>
+              </a:rPr>
+              <a:t>241</a:t>
+            </a:r>
+            <a:endParaRPr kumimoji="1" lang="ko-Kore-GB" altLang="en-US" sz="700" dirty="0">
+              <a:ea typeface="Gulim" panose="020B0600000101010101" pitchFamily="34" charset="-127"/>
+            </a:endParaRPr>
+          </a:p>
+        </p:txBody>
+      </p:sp>
+      <p:sp>
+        <p:nvSpPr>
+          <p:cNvPr id="18" name="TextBox 17">
+            <a:extLst>
+              <a:ext uri="{FF2B5EF4-FFF2-40B4-BE49-F238E27FC236}">
+                <a16:creationId xmlns:a16="http://schemas.microsoft.com/office/drawing/2014/main" id="{141FD6E7-8F5E-E679-0E1C-9AC844B5E9D5}"/>
+              </a:ext>
+            </a:extLst>
+          </p:cNvPr>
+          <p:cNvSpPr txBox="1"/>
+          <p:nvPr/>
+        </p:nvSpPr>
+        <p:spPr>
+          <a:xfrm>
+            <a:off x="2025049" y="2163121"/>
+            <a:ext cx="274435" cy="200055"/>
+          </a:xfrm>
+          <a:prstGeom prst="rect">
+            <a:avLst/>
+          </a:prstGeom>
+          <a:noFill/>
+        </p:spPr>
+        <p:txBody>
+          <a:bodyPr wrap="none" rtlCol="0">
+            <a:spAutoFit/>
+          </a:bodyPr>
+          <a:lstStyle/>
+          <a:p>
+            <a:pPr algn="ctr"/>
+            <a:r>
+              <a:rPr kumimoji="1" lang="en-US" altLang="ko-KR" sz="700" dirty="0">
+                <a:ea typeface="Gulim" panose="020B0600000101010101" pitchFamily="34" charset="-127"/>
+              </a:rPr>
+              <a:t>35</a:t>
+            </a:r>
+            <a:endParaRPr kumimoji="1" lang="ko-Kore-GB" altLang="en-US" sz="700" dirty="0">
+              <a:ea typeface="Gulim" panose="020B0600000101010101" pitchFamily="34" charset="-127"/>
+            </a:endParaRPr>
+          </a:p>
+        </p:txBody>
+      </p:sp>
+      <p:sp>
+        <p:nvSpPr>
+          <p:cNvPr id="19" name="TextBox 18">
+            <a:extLst>
+              <a:ext uri="{FF2B5EF4-FFF2-40B4-BE49-F238E27FC236}">
+                <a16:creationId xmlns:a16="http://schemas.microsoft.com/office/drawing/2014/main" id="{1D36CEA5-A70B-EB5E-5B30-B968F2E6EAF3}"/>
+              </a:ext>
+            </a:extLst>
+          </p:cNvPr>
+          <p:cNvSpPr txBox="1"/>
+          <p:nvPr/>
+        </p:nvSpPr>
+        <p:spPr>
+          <a:xfrm>
+            <a:off x="2002607" y="2461612"/>
+            <a:ext cx="319319" cy="200055"/>
+          </a:xfrm>
+          <a:prstGeom prst="rect">
+            <a:avLst/>
+          </a:prstGeom>
+          <a:noFill/>
+        </p:spPr>
+        <p:txBody>
+          <a:bodyPr wrap="none" rtlCol="0">
+            <a:spAutoFit/>
+          </a:bodyPr>
+          <a:lstStyle/>
+          <a:p>
+            <a:pPr algn="ctr"/>
+            <a:r>
+              <a:rPr kumimoji="1" lang="en-US" altLang="ko-KR" sz="700" dirty="0">
+                <a:ea typeface="Gulim" panose="020B0600000101010101" pitchFamily="34" charset="-127"/>
+              </a:rPr>
+              <a:t>217</a:t>
+            </a:r>
+            <a:endParaRPr kumimoji="1" lang="ko-Kore-GB" altLang="en-US" sz="700" dirty="0">
+              <a:ea typeface="Gulim" panose="020B0600000101010101" pitchFamily="34" charset="-127"/>
+            </a:endParaRPr>
+          </a:p>
+        </p:txBody>
+      </p:sp>
+      <p:sp>
+        <p:nvSpPr>
+          <p:cNvPr id="20" name="TextBox 19">
+            <a:extLst>
+              <a:ext uri="{FF2B5EF4-FFF2-40B4-BE49-F238E27FC236}">
+                <a16:creationId xmlns:a16="http://schemas.microsoft.com/office/drawing/2014/main" id="{44082066-7F5B-10ED-56F9-5990DD805E30}"/>
+              </a:ext>
+            </a:extLst>
+          </p:cNvPr>
+          <p:cNvSpPr txBox="1"/>
+          <p:nvPr/>
+        </p:nvSpPr>
+        <p:spPr>
+          <a:xfrm>
+            <a:off x="2047491" y="2760103"/>
+            <a:ext cx="229550" cy="200055"/>
+          </a:xfrm>
+          <a:prstGeom prst="rect">
+            <a:avLst/>
+          </a:prstGeom>
+          <a:noFill/>
+        </p:spPr>
+        <p:txBody>
+          <a:bodyPr wrap="none" rtlCol="0">
+            <a:spAutoFit/>
+          </a:bodyPr>
+          <a:lstStyle/>
+          <a:p>
+            <a:pPr algn="ctr"/>
+            <a:r>
+              <a:rPr kumimoji="1" lang="en-US" altLang="ko-KR" sz="700" dirty="0">
+                <a:ea typeface="Gulim" panose="020B0600000101010101" pitchFamily="34" charset="-127"/>
+              </a:rPr>
+              <a:t>9</a:t>
+            </a:r>
+            <a:endParaRPr kumimoji="1" lang="ko-Kore-GB" altLang="en-US" sz="700" dirty="0">
+              <a:ea typeface="Gulim" panose="020B0600000101010101" pitchFamily="34" charset="-127"/>
+            </a:endParaRPr>
+          </a:p>
+        </p:txBody>
+      </p:sp>
+      <p:sp>
+        <p:nvSpPr>
+          <p:cNvPr id="21" name="TextBox 20">
+            <a:extLst>
+              <a:ext uri="{FF2B5EF4-FFF2-40B4-BE49-F238E27FC236}">
+                <a16:creationId xmlns:a16="http://schemas.microsoft.com/office/drawing/2014/main" id="{26C3456B-645D-D9A2-19FF-32CBE70BD9FE}"/>
+              </a:ext>
+            </a:extLst>
+          </p:cNvPr>
+          <p:cNvSpPr txBox="1"/>
+          <p:nvPr/>
+        </p:nvSpPr>
+        <p:spPr>
+          <a:xfrm>
+            <a:off x="2025049" y="3058594"/>
+            <a:ext cx="274435" cy="200055"/>
+          </a:xfrm>
+          <a:prstGeom prst="rect">
+            <a:avLst/>
+          </a:prstGeom>
+          <a:noFill/>
+        </p:spPr>
+        <p:txBody>
+          <a:bodyPr wrap="none" rtlCol="0">
+            <a:spAutoFit/>
+          </a:bodyPr>
+          <a:lstStyle/>
+          <a:p>
+            <a:pPr algn="ctr"/>
+            <a:r>
+              <a:rPr kumimoji="1" lang="en-US" altLang="ko-KR" sz="700" dirty="0">
+                <a:ea typeface="Gulim" panose="020B0600000101010101" pitchFamily="34" charset="-127"/>
+              </a:rPr>
+              <a:t>38</a:t>
+            </a:r>
+            <a:endParaRPr kumimoji="1" lang="ko-Kore-GB" altLang="en-US" sz="700" dirty="0">
+              <a:ea typeface="Gulim" panose="020B0600000101010101" pitchFamily="34" charset="-127"/>
+            </a:endParaRPr>
+          </a:p>
+        </p:txBody>
+      </p:sp>
+      <p:sp>
+        <p:nvSpPr>
+          <p:cNvPr id="26" name="TextBox 25">
+            <a:extLst>
+              <a:ext uri="{FF2B5EF4-FFF2-40B4-BE49-F238E27FC236}">
+                <a16:creationId xmlns:a16="http://schemas.microsoft.com/office/drawing/2014/main" id="{DF940465-7CE2-641F-7AE6-503672043861}"/>
+              </a:ext>
+            </a:extLst>
+          </p:cNvPr>
+          <p:cNvSpPr txBox="1"/>
+          <p:nvPr/>
+        </p:nvSpPr>
+        <p:spPr>
+          <a:xfrm>
+            <a:off x="2574253" y="1564936"/>
+            <a:ext cx="322524" cy="200055"/>
+          </a:xfrm>
+          <a:prstGeom prst="rect">
+            <a:avLst/>
+          </a:prstGeom>
+          <a:noFill/>
+        </p:spPr>
+        <p:txBody>
+          <a:bodyPr wrap="none" rtlCol="0">
+            <a:spAutoFit/>
+          </a:bodyPr>
+          <a:lstStyle/>
+          <a:p>
+            <a:pPr algn="ctr"/>
+            <a:r>
+              <a:rPr kumimoji="1" lang="en-US" altLang="ko-KR" sz="700" dirty="0">
+                <a:ea typeface="Gulim" panose="020B0600000101010101" pitchFamily="34" charset="-127"/>
+              </a:rPr>
+              <a:t>8</a:t>
+            </a:r>
+            <a:r>
+              <a:rPr kumimoji="1" lang="ko-KR" altLang="en-US" sz="700" dirty="0">
+                <a:ea typeface="Gulim" panose="020B0600000101010101" pitchFamily="34" charset="-127"/>
+              </a:rPr>
+              <a:t> </a:t>
+            </a:r>
+            <a:r>
+              <a:rPr kumimoji="1" lang="en-US" altLang="ko-KR" sz="700" dirty="0">
+                <a:ea typeface="Gulim" panose="020B0600000101010101" pitchFamily="34" charset="-127"/>
+              </a:rPr>
+              <a:t>m</a:t>
+            </a:r>
+            <a:endParaRPr kumimoji="1" lang="ko-Kore-GB" altLang="en-US" sz="700" dirty="0">
+              <a:ea typeface="Gulim" panose="020B0600000101010101" pitchFamily="34" charset="-127"/>
+            </a:endParaRPr>
+          </a:p>
+        </p:txBody>
+      </p:sp>
+      <p:sp>
+        <p:nvSpPr>
+          <p:cNvPr id="27" name="TextBox 26">
+            <a:extLst>
+              <a:ext uri="{FF2B5EF4-FFF2-40B4-BE49-F238E27FC236}">
+                <a16:creationId xmlns:a16="http://schemas.microsoft.com/office/drawing/2014/main" id="{7EE1BCB5-8194-DE1D-F05C-F4DE7B22AF14}"/>
+              </a:ext>
+            </a:extLst>
+          </p:cNvPr>
+          <p:cNvSpPr txBox="1"/>
+          <p:nvPr/>
+        </p:nvSpPr>
+        <p:spPr>
+          <a:xfrm>
+            <a:off x="2574253" y="1863427"/>
+            <a:ext cx="322524" cy="200055"/>
+          </a:xfrm>
+          <a:prstGeom prst="rect">
+            <a:avLst/>
+          </a:prstGeom>
+          <a:noFill/>
+        </p:spPr>
+        <p:txBody>
+          <a:bodyPr wrap="none" rtlCol="0">
+            <a:spAutoFit/>
+          </a:bodyPr>
+          <a:lstStyle/>
+          <a:p>
+            <a:pPr algn="ctr"/>
+            <a:r>
+              <a:rPr kumimoji="1" lang="en-US" altLang="ko-KR" sz="700" dirty="0">
+                <a:ea typeface="Gulim" panose="020B0600000101010101" pitchFamily="34" charset="-127"/>
+              </a:rPr>
+              <a:t>2 m</a:t>
+            </a:r>
+            <a:endParaRPr kumimoji="1" lang="ko-Kore-GB" altLang="en-US" sz="700" dirty="0">
+              <a:ea typeface="Gulim" panose="020B0600000101010101" pitchFamily="34" charset="-127"/>
+            </a:endParaRPr>
+          </a:p>
+        </p:txBody>
+      </p:sp>
+      <p:sp>
+        <p:nvSpPr>
+          <p:cNvPr id="28" name="TextBox 27">
+            <a:extLst>
+              <a:ext uri="{FF2B5EF4-FFF2-40B4-BE49-F238E27FC236}">
+                <a16:creationId xmlns:a16="http://schemas.microsoft.com/office/drawing/2014/main" id="{A403E0D5-9F58-66B9-5E8D-898A04F0022A}"/>
+              </a:ext>
+            </a:extLst>
+          </p:cNvPr>
+          <p:cNvSpPr txBox="1"/>
+          <p:nvPr/>
+        </p:nvSpPr>
+        <p:spPr>
+          <a:xfrm>
+            <a:off x="2553415" y="2161918"/>
+            <a:ext cx="364202" cy="200055"/>
+          </a:xfrm>
+          <a:prstGeom prst="rect">
+            <a:avLst/>
+          </a:prstGeom>
+          <a:noFill/>
+        </p:spPr>
+        <p:txBody>
+          <a:bodyPr wrap="none" rtlCol="0">
+            <a:spAutoFit/>
+          </a:bodyPr>
+          <a:lstStyle/>
+          <a:p>
+            <a:pPr algn="ctr"/>
+            <a:r>
+              <a:rPr kumimoji="1" lang="en-US" altLang="ko-Kore-GB" sz="700" dirty="0">
+                <a:ea typeface="Gulim" panose="020B0600000101010101" pitchFamily="34" charset="-127"/>
+              </a:rPr>
+              <a:t>7.6 h</a:t>
+            </a:r>
+            <a:endParaRPr kumimoji="1" lang="ko-Kore-GB" altLang="en-US" sz="700" dirty="0">
+              <a:ea typeface="Gulim" panose="020B0600000101010101" pitchFamily="34" charset="-127"/>
+            </a:endParaRPr>
+          </a:p>
+        </p:txBody>
+      </p:sp>
+      <p:sp>
+        <p:nvSpPr>
+          <p:cNvPr id="29" name="TextBox 28">
+            <a:extLst>
+              <a:ext uri="{FF2B5EF4-FFF2-40B4-BE49-F238E27FC236}">
+                <a16:creationId xmlns:a16="http://schemas.microsoft.com/office/drawing/2014/main" id="{7AA27663-4AA5-44FA-1C7D-A4A93619BE26}"/>
+              </a:ext>
+            </a:extLst>
+          </p:cNvPr>
+          <p:cNvSpPr txBox="1"/>
+          <p:nvPr/>
+        </p:nvSpPr>
+        <p:spPr>
+          <a:xfrm>
+            <a:off x="2553415" y="2460409"/>
+            <a:ext cx="364202" cy="200055"/>
+          </a:xfrm>
+          <a:prstGeom prst="rect">
+            <a:avLst/>
+          </a:prstGeom>
+          <a:noFill/>
+        </p:spPr>
+        <p:txBody>
+          <a:bodyPr wrap="none" rtlCol="0">
+            <a:spAutoFit/>
+          </a:bodyPr>
+          <a:lstStyle/>
+          <a:p>
+            <a:pPr algn="ctr"/>
+            <a:r>
+              <a:rPr kumimoji="1" lang="en-US" altLang="ko-Kore-GB" sz="700" dirty="0">
+                <a:ea typeface="Gulim" panose="020B0600000101010101" pitchFamily="34" charset="-127"/>
+              </a:rPr>
+              <a:t>1.2 h</a:t>
+            </a:r>
+            <a:endParaRPr kumimoji="1" lang="ko-Kore-GB" altLang="en-US" sz="700" dirty="0">
+              <a:ea typeface="Gulim" panose="020B0600000101010101" pitchFamily="34" charset="-127"/>
+            </a:endParaRPr>
+          </a:p>
+        </p:txBody>
+      </p:sp>
+      <p:sp>
+        <p:nvSpPr>
+          <p:cNvPr id="30" name="TextBox 29">
+            <a:extLst>
+              <a:ext uri="{FF2B5EF4-FFF2-40B4-BE49-F238E27FC236}">
+                <a16:creationId xmlns:a16="http://schemas.microsoft.com/office/drawing/2014/main" id="{599073DF-9316-1AC3-4063-D9EFA700EC0B}"/>
+              </a:ext>
+            </a:extLst>
+          </p:cNvPr>
+          <p:cNvSpPr txBox="1"/>
+          <p:nvPr/>
+        </p:nvSpPr>
+        <p:spPr>
+          <a:xfrm>
+            <a:off x="2553415" y="2758900"/>
+            <a:ext cx="364202" cy="200055"/>
+          </a:xfrm>
+          <a:prstGeom prst="rect">
+            <a:avLst/>
+          </a:prstGeom>
+          <a:noFill/>
+        </p:spPr>
+        <p:txBody>
+          <a:bodyPr wrap="none" rtlCol="0">
+            <a:spAutoFit/>
+          </a:bodyPr>
+          <a:lstStyle/>
+          <a:p>
+            <a:pPr algn="ctr"/>
+            <a:r>
+              <a:rPr kumimoji="1" lang="en-US" altLang="ko-Kore-GB" sz="700" dirty="0">
+                <a:ea typeface="Gulim" panose="020B0600000101010101" pitchFamily="34" charset="-127"/>
+              </a:rPr>
+              <a:t>3.6 h</a:t>
+            </a:r>
+            <a:endParaRPr kumimoji="1" lang="ko-Kore-GB" altLang="en-US" sz="700" dirty="0">
+              <a:ea typeface="Gulim" panose="020B0600000101010101" pitchFamily="34" charset="-127"/>
+            </a:endParaRPr>
+          </a:p>
+        </p:txBody>
+      </p:sp>
+      <p:sp>
+        <p:nvSpPr>
+          <p:cNvPr id="31" name="TextBox 30">
+            <a:extLst>
+              <a:ext uri="{FF2B5EF4-FFF2-40B4-BE49-F238E27FC236}">
+                <a16:creationId xmlns:a16="http://schemas.microsoft.com/office/drawing/2014/main" id="{DDDDA147-2330-FE29-F0B6-163061627A02}"/>
+              </a:ext>
+            </a:extLst>
+          </p:cNvPr>
+          <p:cNvSpPr txBox="1"/>
+          <p:nvPr/>
+        </p:nvSpPr>
+        <p:spPr>
+          <a:xfrm>
+            <a:off x="2574253" y="3057391"/>
+            <a:ext cx="322524" cy="200055"/>
+          </a:xfrm>
+          <a:prstGeom prst="rect">
+            <a:avLst/>
+          </a:prstGeom>
+          <a:noFill/>
+        </p:spPr>
+        <p:txBody>
+          <a:bodyPr wrap="none" rtlCol="0">
+            <a:spAutoFit/>
+          </a:bodyPr>
+          <a:lstStyle/>
+          <a:p>
+            <a:pPr algn="ctr"/>
+            <a:r>
+              <a:rPr kumimoji="1" lang="en-US" altLang="ko-Kore-GB" sz="700" dirty="0">
+                <a:ea typeface="Gulim" panose="020B0600000101010101" pitchFamily="34" charset="-127"/>
+              </a:rPr>
+              <a:t>4 m</a:t>
+            </a:r>
+            <a:endParaRPr kumimoji="1" lang="ko-Kore-GB" altLang="en-US" sz="700" dirty="0">
+              <a:ea typeface="Gulim" panose="020B0600000101010101" pitchFamily="34" charset="-127"/>
+            </a:endParaRPr>
+          </a:p>
+        </p:txBody>
+      </p:sp>
+    </p:spTree>
+    <p:extLst>
+      <p:ext uri="{BB962C8B-B14F-4D97-AF65-F5344CB8AC3E}">
+        <p14:creationId xmlns:p14="http://schemas.microsoft.com/office/powerpoint/2010/main" val="3586846986"/>
+      </p:ext>
+    </p:extLst>
+  </p:cSld>
+  <p:clrMapOvr>
+    <a:masterClrMapping/>
+  </p:clrMapOvr>
+</p:sld>
+</file>
+
 <file path=ppt/theme/theme1.xml><?xml version="1.0" encoding="utf-8"?>
 <a:theme xmlns:a="http://schemas.openxmlformats.org/drawingml/2006/main" name="Office 테마">
   <a:themeElements>
